--- a/框架分析/angr分析.pptx
+++ b/框架分析/angr分析.pptx
@@ -3618,6 +3618,16 @@
           <a:lstStyle/>
           <a:p>
             <a:r>
+              <a:rPr lang="en-US" altLang="zh-CN" sz="1800" dirty="0" err="1" smtClean="0"/>
+              <a:t>angr.Project</a:t>
+            </a:r>
+            <a:r>
+              <a:rPr lang="en-US" altLang="zh-CN" sz="1800" dirty="0" smtClean="0"/>
+              <a:t>                                                                       </a:t>
+            </a:r>
+          </a:p>
+          <a:p>
+            <a:r>
               <a:rPr lang="en-US" altLang="zh-CN" sz="1800" dirty="0" smtClean="0"/>
               <a:t>	</a:t>
             </a:r>
@@ -3627,12 +3637,24 @@
             </a:r>
             <a:r>
               <a:rPr lang="en-US" altLang="zh-CN" sz="1800" dirty="0" smtClean="0"/>
-              <a:t>    									</a:t>
-            </a:r>
-          </a:p>
-          <a:p>
-            <a:r>
-              <a:rPr lang="en-US" altLang="zh-CN" sz="1800" dirty="0" smtClean="0"/>
+              <a:t> </a:t>
+            </a:r>
+            <a:r>
+              <a:rPr lang="zh-CN" altLang="en-US" sz="1800" dirty="0" smtClean="0"/>
+              <a:t>（</a:t>
+            </a:r>
+            <a:r>
+              <a:rPr lang="en-US" altLang="zh-CN" sz="1800" dirty="0" err="1" smtClean="0"/>
+              <a:t>cle/loader.py</a:t>
+            </a:r>
+            <a:r>
+              <a:rPr lang="zh-CN" altLang="en-US" sz="1800" dirty="0" smtClean="0"/>
+              <a:t>中）   									</a:t>
+            </a:r>
+          </a:p>
+          <a:p>
+            <a:r>
+              <a:rPr lang="zh-CN" altLang="en-US" sz="1800" dirty="0" smtClean="0"/>
               <a:t>		</a:t>
             </a:r>
             <a:r>
@@ -3684,22 +3706,13 @@
             </a:r>
           </a:p>
           <a:p>
-            <a:endParaRPr lang="en-US" altLang="zh-CN" sz="1800" dirty="0" smtClean="0"/>
-          </a:p>
-          <a:p>
             <a:r>
               <a:rPr lang="en-US" altLang="zh-CN" sz="1800" dirty="0" smtClean="0"/>
               <a:t>				</a:t>
             </a:r>
             <a:r>
               <a:rPr lang="zh-CN" altLang="en-US" sz="1800" dirty="0" smtClean="0"/>
-              <a:t>搜集参数</a:t>
-            </a:r>
-          </a:p>
-          <a:p>
-            <a:r>
-              <a:rPr lang="zh-CN" altLang="en-US" sz="1800" dirty="0" smtClean="0"/>
-              <a:t>				判断后端</a:t>
+              <a:t>判断后端</a:t>
             </a:r>
           </a:p>
           <a:p>
@@ -3762,11 +3775,43 @@
               <a:rPr lang="zh-CN" altLang="en-US" sz="1800" dirty="0" smtClean="0"/>
               <a:t>函数识别特征）</a:t>
             </a:r>
-          </a:p>
-          <a:p>
+            <a:r>
+              <a:rPr lang="en-US" altLang="zh-CN" sz="1800" dirty="0" smtClean="0"/>
+              <a:t>(backend</a:t>
+            </a:r>
             <a:r>
               <a:rPr lang="zh-CN" altLang="en-US" sz="1800" dirty="0" smtClean="0"/>
-              <a:t>				加载二进制文件</a:t>
+              <a:t>文件夹的初始化中，</a:t>
+            </a:r>
+            <a:r>
+              <a:rPr lang="en-US" altLang="zh-CN" sz="1800" dirty="0" err="1" smtClean="0"/>
+              <a:t>is_commpatible</a:t>
+            </a:r>
+            <a:r>
+              <a:rPr lang="zh-CN" altLang="en-US" sz="1800" dirty="0" smtClean="0"/>
+              <a:t>在</a:t>
+            </a:r>
+            <a:r>
+              <a:rPr lang="en-US" altLang="zh-CN" sz="1800" dirty="0" smtClean="0"/>
+              <a:t>10</a:t>
+            </a:r>
+            <a:r>
+              <a:rPr lang="zh-CN" altLang="en-US" sz="1800" dirty="0" smtClean="0"/>
+              <a:t>种文件的类中</a:t>
+            </a:r>
+            <a:r>
+              <a:rPr lang="en-US" altLang="zh-CN" sz="1800" dirty="0" smtClean="0"/>
+              <a:t>)</a:t>
+            </a:r>
+          </a:p>
+          <a:p>
+            <a:r>
+              <a:rPr lang="en-US" altLang="zh-CN" sz="1800" dirty="0" smtClean="0"/>
+              <a:t>				</a:t>
+            </a:r>
+            <a:r>
+              <a:rPr lang="zh-CN" altLang="en-US" sz="1800" dirty="0" smtClean="0"/>
+              <a:t>加载二进制文件</a:t>
             </a:r>
           </a:p>
           <a:p>
@@ -3877,7 +3922,15 @@
             </a:r>
             <a:r>
               <a:rPr lang="zh-CN" altLang="en-US" sz="1800" dirty="0" smtClean="0"/>
-              <a:t>插件初始化</a:t>
+              <a:t>插件初始化（返回</a:t>
+            </a:r>
+            <a:r>
+              <a:rPr lang="en-US" altLang="zh-CN" sz="1800" dirty="0" err="1" smtClean="0"/>
+              <a:t>project.py</a:t>
+            </a:r>
+            <a:r>
+              <a:rPr lang="zh-CN" altLang="en-US" sz="1800" dirty="0" smtClean="0"/>
+              <a:t>中）</a:t>
             </a:r>
           </a:p>
           <a:p>
@@ -3921,9 +3974,6 @@
               <a:rPr lang="zh-CN" altLang="en-US" sz="1800" dirty="0" smtClean="0"/>
               <a:t>）</a:t>
             </a:r>
-          </a:p>
-          <a:p>
-            <a:endParaRPr lang="zh-CN" altLang="en-US" sz="1800" dirty="0"/>
           </a:p>
         </p:txBody>
       </p:sp>
@@ -4024,7 +4074,7 @@
           <a:p>
             <a:r>
               <a:rPr lang="zh-CN" altLang="en-US" sz="1800" dirty="0" smtClean="0"/>
-              <a:t>	  </a:t>
+              <a:t>	</a:t>
             </a:r>
             <a:r>
               <a:rPr lang="en-US" altLang="zh-CN" sz="1800" dirty="0" err="1" smtClean="0"/>
@@ -4034,6 +4084,36 @@
               <a:rPr lang="en-US" altLang="zh-CN" sz="1800" dirty="0" smtClean="0"/>
               <a:t>()</a:t>
             </a:r>
+            <a:r>
+              <a:rPr lang="zh-CN" altLang="en-US" sz="1800" dirty="0" smtClean="0"/>
+              <a:t>（</a:t>
+            </a:r>
+            <a:r>
+              <a:rPr lang="en-US" altLang="zh-CN" sz="1800" dirty="0" err="1" smtClean="0"/>
+              <a:t>cfg</a:t>
+            </a:r>
+            <a:r>
+              <a:rPr lang="zh-CN" altLang="en-US" sz="1800" dirty="0" smtClean="0"/>
+              <a:t>里面的</a:t>
+            </a:r>
+            <a:r>
+              <a:rPr lang="en-US" altLang="zh-CN" sz="1800" dirty="0" err="1" smtClean="0"/>
+              <a:t>cfgfast.py</a:t>
+            </a:r>
+            <a:r>
+              <a:rPr lang="zh-CN" altLang="en-US" sz="1800" dirty="0" smtClean="0"/>
+              <a:t>）</a:t>
+            </a:r>
+          </a:p>
+          <a:p>
+            <a:r>
+              <a:rPr lang="zh-CN" altLang="en-US" sz="1800" dirty="0" smtClean="0"/>
+              <a:t>	创建</a:t>
+            </a:r>
+            <a:r>
+              <a:rPr lang="en-US" altLang="zh-CN" sz="1800" dirty="0" smtClean="0"/>
+              <a:t>job</a:t>
+            </a:r>
           </a:p>
           <a:p>
             <a:r>
@@ -4041,8 +4121,19 @@
               <a:t>	</a:t>
             </a:r>
             <a:r>
+              <a:rPr lang="en-US" altLang="zh-CN" sz="1800" dirty="0" err="1" smtClean="0"/>
+              <a:t>self._analysis_core_baremetal</a:t>
+            </a:r>
+            <a:endParaRPr lang="en-US" altLang="zh-CN" sz="1800" dirty="0" smtClean="0"/>
+          </a:p>
+          <a:p>
+            <a:r>
+              <a:rPr lang="en-US" altLang="zh-CN" sz="1800" dirty="0" smtClean="0"/>
+              <a:t>	</a:t>
+            </a:r>
+            <a:r>
               <a:rPr lang="zh-CN" altLang="en-US" sz="1800" dirty="0" smtClean="0"/>
-              <a:t>创建</a:t>
+              <a:t>分析</a:t>
             </a:r>
             <a:r>
               <a:rPr lang="en-US" altLang="zh-CN" sz="1800" dirty="0" smtClean="0"/>
@@ -4052,41 +4143,16 @@
           <a:p>
             <a:r>
               <a:rPr lang="en-US" altLang="zh-CN" sz="1800" dirty="0" smtClean="0"/>
-              <a:t>	 </a:t>
-            </a:r>
-            <a:r>
-              <a:rPr lang="en-US" altLang="zh-CN" sz="1800" dirty="0" err="1" smtClean="0"/>
-              <a:t>self._analysis_core_baremetal</a:t>
-            </a:r>
-            <a:endParaRPr lang="en-US" altLang="zh-CN" sz="1800" dirty="0" smtClean="0"/>
-          </a:p>
-          <a:p>
-            <a:r>
-              <a:rPr lang="en-US" altLang="zh-CN" sz="1800" dirty="0" smtClean="0"/>
               <a:t>	</a:t>
             </a:r>
             <a:r>
               <a:rPr lang="zh-CN" altLang="en-US" sz="1800" dirty="0" smtClean="0"/>
-              <a:t>分析</a:t>
+              <a:t>获取下一个</a:t>
             </a:r>
             <a:r>
               <a:rPr lang="en-US" altLang="zh-CN" sz="1800" dirty="0" smtClean="0"/>
               <a:t>job</a:t>
             </a:r>
-          </a:p>
-          <a:p>
-            <a:r>
-              <a:rPr lang="en-US" altLang="zh-CN" sz="1800" dirty="0" smtClean="0"/>
-              <a:t>	</a:t>
-            </a:r>
-            <a:r>
-              <a:rPr lang="zh-CN" altLang="en-US" sz="1800" dirty="0" smtClean="0"/>
-              <a:t>获取下一个</a:t>
-            </a:r>
-            <a:r>
-              <a:rPr lang="en-US" altLang="zh-CN" sz="1800" dirty="0" smtClean="0"/>
-              <a:t>job</a:t>
-            </a:r>
             <a:r>
               <a:rPr lang="zh-CN" altLang="en-US" sz="1800" dirty="0" smtClean="0"/>
               <a:t>状态</a:t>
@@ -4105,11 +4171,34 @@
               <a:rPr lang="en-US" altLang="zh-CN" sz="1800" dirty="0" err="1" smtClean="0"/>
               <a:t>process_job_and_get_successors</a:t>
             </a:r>
-            <a:endParaRPr lang="en-US" altLang="zh-CN" sz="1800" dirty="0" smtClean="0"/>
-          </a:p>
-          <a:p>
             <a:r>
               <a:rPr lang="en-US" altLang="zh-CN" sz="1800" dirty="0" smtClean="0"/>
+              <a:t> </a:t>
+            </a:r>
+            <a:r>
+              <a:rPr lang="zh-CN" altLang="en-US" sz="1800" dirty="0" smtClean="0"/>
+              <a:t>（</a:t>
+            </a:r>
+            <a:r>
+              <a:rPr lang="en-US" altLang="zh-CN" sz="1800" dirty="0" err="1" smtClean="0"/>
+              <a:t>cfg</a:t>
+            </a:r>
+            <a:r>
+              <a:rPr lang="zh-CN" altLang="en-US" sz="1800" dirty="0" smtClean="0"/>
+              <a:t>里面的</a:t>
+            </a:r>
+            <a:r>
+              <a:rPr lang="en-US" altLang="zh-CN" sz="1800" dirty="0" err="1" smtClean="0"/>
+              <a:t>cfgfast.py</a:t>
+            </a:r>
+            <a:r>
+              <a:rPr lang="zh-CN" altLang="en-US" sz="1800" dirty="0" smtClean="0"/>
+              <a:t>）</a:t>
+            </a:r>
+          </a:p>
+          <a:p>
+            <a:r>
+              <a:rPr lang="zh-CN" altLang="en-US" sz="1800" dirty="0" smtClean="0"/>
               <a:t>			</a:t>
             </a:r>
             <a:r>
@@ -4127,72 +4216,6 @@
             <a:r>
               <a:rPr lang="zh-CN" altLang="en-US" sz="1800" dirty="0" smtClean="0"/>
               <a:t>）</a:t>
-            </a:r>
-            <a:endParaRPr lang="en-US" altLang="zh-CN" sz="1800" dirty="0" smtClean="0"/>
-          </a:p>
-          <a:p>
-            <a:endParaRPr lang="en-US" altLang="zh-CN" sz="1800" dirty="0" smtClean="0"/>
-          </a:p>
-          <a:p>
-            <a:endParaRPr lang="en-US" altLang="zh-CN" sz="1800" dirty="0" smtClean="0"/>
-          </a:p>
-          <a:p>
-            <a:r>
-              <a:rPr lang="en-US" altLang="zh-CN" sz="1800" dirty="0" smtClean="0"/>
-              <a:t>analysis</a:t>
-            </a:r>
-            <a:r>
-              <a:rPr lang="zh-CN" altLang="en-US" sz="1800" dirty="0" smtClean="0"/>
-              <a:t>强</a:t>
-            </a:r>
-            <a:r>
-              <a:rPr lang="zh-CN" altLang="en-US" sz="1800" dirty="0"/>
-              <a:t>制执行，轻量后向切片，符号执行和值集分</a:t>
-            </a:r>
-            <a:r>
-              <a:rPr lang="zh-CN" altLang="en-US" sz="1800" dirty="0" smtClean="0"/>
-              <a:t>析</a:t>
-            </a:r>
-            <a:endParaRPr lang="en-US" altLang="zh-CN" sz="1800" dirty="0" smtClean="0"/>
-          </a:p>
-          <a:p>
-            <a:r>
-              <a:rPr lang="en-US" altLang="zh-CN" sz="1800" dirty="0" smtClean="0">
-                <a:hlinkClick r:id="rId2" tooltip="surveyors"/>
-              </a:rPr>
-              <a:t>Surveyors</a:t>
-            </a:r>
-            <a:r>
-              <a:rPr lang="en-US" altLang="zh-CN" sz="1800" dirty="0" smtClean="0"/>
-              <a:t>   </a:t>
-            </a:r>
-            <a:r>
-              <a:rPr lang="zh-CN" altLang="en-US" sz="1800" dirty="0" smtClean="0"/>
-              <a:t>被</a:t>
-            </a:r>
-            <a:r>
-              <a:rPr lang="en-US" altLang="zh-CN" sz="1800" dirty="0" err="1" smtClean="0"/>
-              <a:t>angr</a:t>
-            </a:r>
-            <a:r>
-              <a:rPr lang="zh-CN" altLang="en-US" sz="1800" dirty="0" smtClean="0"/>
-              <a:t>弃用，换成新的接口</a:t>
-            </a:r>
-            <a:r>
-              <a:rPr lang="en-US" altLang="zh-CN" sz="1800" dirty="0" err="1" smtClean="0"/>
-              <a:t>simmanage</a:t>
-            </a:r>
-            <a:r>
-              <a:rPr lang="zh-CN" altLang="en-US" sz="1800" dirty="0" smtClean="0"/>
-              <a:t>，但是</a:t>
-            </a:r>
-            <a:r>
-              <a:rPr lang="en-US" altLang="zh-CN" sz="1800" dirty="0" smtClean="0"/>
-              <a:t>analysis</a:t>
-            </a:r>
-            <a:r>
-              <a:rPr lang="zh-CN" altLang="en-US" sz="1800" dirty="0" smtClean="0"/>
-              <a:t>中没换</a:t>
             </a:r>
             <a:endParaRPr lang="zh-CN" altLang="en-US" sz="1800" dirty="0"/>
           </a:p>
@@ -4269,9 +4292,15 @@
         <p:spPr/>
         <p:txBody>
           <a:bodyPr>
-            <a:normAutofit fontScale="55000" lnSpcReduction="20000"/>
+            <a:normAutofit fontScale="47500" lnSpcReduction="20000"/>
           </a:bodyPr>
           <a:lstStyle/>
+          <a:p>
+            <a:r>
+              <a:rPr lang="en-US" altLang="zh-CN" dirty="0" smtClean="0"/>
+              <a:t>Simulation Manager</a:t>
+            </a:r>
+          </a:p>
           <a:p>
             <a:r>
               <a:rPr lang="en-US" altLang="zh-CN" dirty="0" smtClean="0"/>
@@ -4281,29 +4310,76 @@
           <a:p>
             <a:r>
               <a:rPr lang="en-US" altLang="zh-CN" dirty="0" smtClean="0"/>
-              <a:t>			</a:t>
+              <a:t>		</a:t>
+            </a:r>
+            <a:r>
+              <a:rPr lang="en-US" altLang="zh-CN" dirty="0" err="1" smtClean="0"/>
+              <a:t>step_state</a:t>
+            </a:r>
+            <a:endParaRPr lang="en-US" altLang="zh-CN" dirty="0" smtClean="0"/>
+          </a:p>
+          <a:p>
+            <a:r>
+              <a:rPr lang="en-US" altLang="zh-CN" dirty="0" smtClean="0"/>
+              <a:t>			successors</a:t>
+            </a:r>
+          </a:p>
+          <a:p>
+            <a:r>
+              <a:rPr lang="en-US" altLang="zh-CN" dirty="0" smtClean="0"/>
+              <a:t>				</a:t>
             </a:r>
             <a:r>
               <a:rPr lang="en-US" altLang="zh-CN" dirty="0" err="1" smtClean="0"/>
               <a:t>factory.successors</a:t>
             </a:r>
-            <a:endParaRPr lang="en-US" altLang="zh-CN" dirty="0" smtClean="0"/>
-          </a:p>
-          <a:p>
-            <a:r>
-              <a:rPr lang="en-US" altLang="zh-CN" dirty="0" smtClean="0"/>
-              <a:t>				</a:t>
+            <a:r>
+              <a:rPr lang="zh-CN" altLang="en-US" dirty="0" smtClean="0"/>
+              <a:t>（</a:t>
+            </a:r>
+            <a:r>
+              <a:rPr lang="en-US" altLang="zh-CN" dirty="0" err="1" smtClean="0"/>
+              <a:t>factory.py</a:t>
+            </a:r>
+            <a:r>
+              <a:rPr lang="zh-CN" altLang="en-US" dirty="0" smtClean="0"/>
+              <a:t>中）</a:t>
+            </a:r>
+          </a:p>
+          <a:p>
+            <a:r>
+              <a:rPr lang="zh-CN" altLang="en-US" dirty="0" smtClean="0"/>
+              <a:t>					</a:t>
             </a:r>
             <a:r>
               <a:rPr lang="en-US" altLang="zh-CN" dirty="0" err="1" smtClean="0"/>
               <a:t>engines.successors</a:t>
             </a:r>
-            <a:endParaRPr lang="en-US" altLang="zh-CN" dirty="0" smtClean="0"/>
-          </a:p>
-          <a:p>
+            <a:r>
+              <a:rPr lang="zh-CN" altLang="en-US" dirty="0" smtClean="0"/>
+              <a:t>（</a:t>
+            </a:r>
             <a:r>
               <a:rPr lang="en-US" altLang="zh-CN" dirty="0" smtClean="0"/>
-              <a:t>	explore</a:t>
+              <a:t>engine/</a:t>
+            </a:r>
+            <a:r>
+              <a:rPr lang="en-US" altLang="zh-CN" dirty="0" err="1" smtClean="0"/>
+              <a:t>hub.py</a:t>
+            </a:r>
+            <a:r>
+              <a:rPr lang="zh-CN" altLang="en-US" dirty="0" smtClean="0"/>
+              <a:t>中）</a:t>
+            </a:r>
+          </a:p>
+          <a:p>
+            <a:r>
+              <a:rPr lang="zh-CN" altLang="en-US" dirty="0" smtClean="0"/>
+              <a:t>	</a:t>
+            </a:r>
+            <a:r>
+              <a:rPr lang="en-US" altLang="zh-CN" dirty="0" smtClean="0"/>
+              <a:t>explore</a:t>
             </a:r>
           </a:p>
           <a:p>
@@ -4544,7 +4620,15 @@
             </a:r>
             <a:r>
               <a:rPr lang="zh-CN" altLang="en-US" sz="1200" dirty="0" smtClean="0"/>
-              <a:t>）</a:t>
+              <a:t>）（</a:t>
+            </a:r>
+            <a:r>
+              <a:rPr lang="en-US" altLang="zh-CN" sz="1200" dirty="0" err="1" smtClean="0"/>
+              <a:t>engine.py</a:t>
+            </a:r>
+            <a:r>
+              <a:rPr lang="zh-CN" altLang="en-US" sz="1200" dirty="0" smtClean="0"/>
+              <a:t>中）</a:t>
             </a:r>
           </a:p>
           <a:p>
@@ -4556,20 +4640,26 @@
               <a:rPr lang="en-US" altLang="zh-CN" sz="1200" dirty="0" smtClean="0"/>
               <a:t>_process</a:t>
             </a:r>
-          </a:p>
-          <a:p>
-            <a:pPr lvl="6">
-              <a:buNone/>
-            </a:pPr>
             <a:r>
               <a:rPr lang="zh-CN" altLang="en-US" sz="1200" dirty="0" smtClean="0"/>
-              <a:t>调用用户的钩子</a:t>
-            </a:r>
-            <a:endParaRPr lang="en-US" altLang="zh-CN" sz="1200" dirty="0" smtClean="0"/>
-          </a:p>
-          <a:p>
+              <a:t>（</a:t>
+            </a:r>
             <a:r>
               <a:rPr lang="en-US" altLang="zh-CN" sz="1200" dirty="0" smtClean="0"/>
+              <a:t>vex/</a:t>
+            </a:r>
+            <a:r>
+              <a:rPr lang="en-US" altLang="zh-CN" sz="1200" dirty="0" err="1" smtClean="0"/>
+              <a:t>engine.py</a:t>
+            </a:r>
+            <a:r>
+              <a:rPr lang="zh-CN" altLang="en-US" sz="1200" dirty="0" smtClean="0"/>
+              <a:t>中）</a:t>
+            </a:r>
+          </a:p>
+          <a:p>
+            <a:r>
+              <a:rPr lang="zh-CN" altLang="en-US" sz="1200" dirty="0" smtClean="0"/>
               <a:t>			</a:t>
             </a:r>
             <a:r>
@@ -4629,6 +4719,16 @@
           </a:p>
           <a:p>
             <a:r>
+              <a:rPr lang="en-US" altLang="zh-CN" sz="1200" dirty="0" smtClean="0"/>
+              <a:t>				</a:t>
+            </a:r>
+            <a:r>
+              <a:rPr lang="zh-CN" altLang="en-US" sz="1200" dirty="0" smtClean="0"/>
+              <a:t>调用</a:t>
+            </a:r>
+          </a:p>
+          <a:p>
+            <a:r>
               <a:rPr lang="zh-CN" altLang="en-US" sz="1200" dirty="0" smtClean="0"/>
               <a:t>					</a:t>
             </a:r>
@@ -4666,17 +4766,35 @@
           <a:p>
             <a:r>
               <a:rPr lang="zh-CN" altLang="en-US" sz="1200" dirty="0" smtClean="0"/>
-              <a:t>     					</a:t>
-            </a:r>
-          </a:p>
-          <a:p>
+              <a:t>     					   它使用最终状态，最后一个</a:t>
+            </a:r>
+            <a:r>
+              <a:rPr lang="en-US" altLang="zh-CN" sz="1200" dirty="0" err="1" smtClean="0"/>
+              <a:t>imark</a:t>
+            </a:r>
             <a:r>
               <a:rPr lang="zh-CN" altLang="en-US" sz="1200" dirty="0" smtClean="0"/>
-              <a:t>					</a:t>
-            </a:r>
-            <a:r>
-              <a:rPr lang="en-US" altLang="zh-CN" sz="1200" dirty="0" smtClean="0"/>
-              <a:t>	</a:t>
+              <a:t>和一个</a:t>
+            </a:r>
+            <a:r>
+              <a:rPr lang="en-US" altLang="zh-CN" sz="1200" dirty="0" err="1" smtClean="0"/>
+              <a:t>SimIRStmts</a:t>
+            </a:r>
+            <a:r>
+              <a:rPr lang="zh-CN" altLang="en-US" sz="1200" dirty="0" smtClean="0"/>
+              <a:t>列表来注释请求）</a:t>
+            </a:r>
+          </a:p>
+          <a:p>
+            <a:r>
+              <a:rPr lang="zh-CN" altLang="en-US" sz="1200" dirty="0" smtClean="0"/>
+              <a:t>					 执行程序</a:t>
+            </a:r>
+          </a:p>
+          <a:p>
+            <a:r>
+              <a:rPr lang="zh-CN" altLang="en-US" sz="1200" dirty="0" smtClean="0"/>
+              <a:t>						</a:t>
             </a:r>
             <a:r>
               <a:rPr lang="en-US" altLang="zh-CN" sz="1200" dirty="0" err="1" smtClean="0"/>
@@ -4692,7 +4810,19 @@
             </a:r>
             <a:r>
               <a:rPr lang="zh-CN" altLang="en-US" sz="1200" dirty="0" smtClean="0"/>
-              <a:t>）</a:t>
+              <a:t>）（</a:t>
+            </a:r>
+            <a:r>
+              <a:rPr lang="en-US" altLang="zh-CN" sz="1200" dirty="0" smtClean="0"/>
+              <a:t>statement/</a:t>
+            </a:r>
+            <a:r>
+              <a:rPr lang="en-US" altLang="zh-CN" sz="1200" dirty="0" err="1" smtClean="0"/>
+              <a:t>init.py</a:t>
+            </a:r>
+            <a:r>
+              <a:rPr lang="zh-CN" altLang="en-US" sz="1200" dirty="0" smtClean="0"/>
+              <a:t>中）</a:t>
             </a:r>
           </a:p>
           <a:p>
@@ -4709,12 +4839,12 @@
               <a:t>（</a:t>
             </a:r>
             <a:r>
-              <a:rPr lang="en-US" altLang="zh-CN" sz="1200" dirty="0" smtClean="0"/>
-              <a:t>base</a:t>
+              <a:rPr lang="en-US" altLang="zh-CN" sz="1200" dirty="0" err="1" smtClean="0"/>
+              <a:t>base.py</a:t>
             </a:r>
             <a:r>
               <a:rPr lang="zh-CN" altLang="en-US" sz="1200" dirty="0" smtClean="0"/>
-              <a:t>）</a:t>
+              <a:t>中）</a:t>
             </a:r>
           </a:p>
           <a:p>
@@ -4726,7 +4856,7 @@
           <a:p>
             <a:r>
               <a:rPr lang="zh-CN" altLang="en-US" sz="1200" dirty="0" smtClean="0"/>
-              <a:t>							</a:t>
+              <a:t>							调用</a:t>
             </a:r>
           </a:p>
           <a:p>
@@ -4734,9 +4864,6 @@
               <a:rPr lang="zh-CN" altLang="en-US" sz="1200" dirty="0" smtClean="0"/>
               <a:t>								</a:t>
             </a:r>
-            <a:endParaRPr lang="en-US" altLang="zh-CN" sz="1200" dirty="0" smtClean="0"/>
-          </a:p>
-          <a:p>
             <a:r>
               <a:rPr lang="en-US" altLang="zh-CN" sz="1200" dirty="0" smtClean="0"/>
               <a:t>store</a:t>
@@ -4754,12 +4881,12 @@
               <a:t>文件夹下的</a:t>
             </a:r>
             <a:r>
-              <a:rPr lang="en-US" altLang="zh-CN" sz="1200" dirty="0" smtClean="0"/>
-              <a:t>memory</a:t>
+              <a:rPr lang="en-US" altLang="zh-CN" sz="1200" dirty="0" err="1" smtClean="0"/>
+              <a:t>memory.py</a:t>
             </a:r>
             <a:r>
               <a:rPr lang="zh-CN" altLang="en-US" sz="1200" dirty="0" smtClean="0"/>
-              <a:t>）</a:t>
+              <a:t>中）</a:t>
             </a:r>
           </a:p>
           <a:p>
@@ -4792,18 +4919,6 @@
             <a:r>
               <a:rPr lang="en-US" altLang="zh-CN" sz="1200" dirty="0" err="1" smtClean="0"/>
               <a:t>sim_action_object.py</a:t>
-            </a:r>
-            <a:r>
-              <a:rPr lang="en-US" altLang="zh-CN" sz="1200" dirty="0" smtClean="0"/>
-              <a:t>  </a:t>
-            </a:r>
-            <a:r>
-              <a:rPr lang="zh-CN" altLang="en-US" sz="1200" dirty="0" smtClean="0"/>
-              <a:t>调用 </a:t>
-            </a:r>
-            <a:r>
-              <a:rPr lang="en-US" altLang="zh-CN" sz="1200" dirty="0" err="1" smtClean="0"/>
-              <a:t>claripy</a:t>
             </a:r>
             <a:endParaRPr lang="en-US" altLang="zh-CN" sz="1200" dirty="0" smtClean="0"/>
           </a:p>
@@ -4884,9 +4999,16 @@
         <p:spPr/>
         <p:txBody>
           <a:bodyPr>
-            <a:normAutofit fontScale="77500" lnSpcReduction="20000"/>
+            <a:normAutofit fontScale="70000" lnSpcReduction="20000"/>
           </a:bodyPr>
           <a:lstStyle/>
+          <a:p>
+            <a:r>
+              <a:rPr lang="en-US" altLang="zh-CN" dirty="0" err="1" smtClean="0"/>
+              <a:t>claripy</a:t>
+            </a:r>
+            <a:endParaRPr lang="en-US" altLang="zh-CN" dirty="0" smtClean="0"/>
+          </a:p>
           <a:p>
             <a:r>
               <a:rPr lang="en-US" altLang="zh-CN" dirty="0" smtClean="0"/>
@@ -4953,13 +5075,21 @@
           <a:p>
             <a:r>
               <a:rPr lang="zh-CN" altLang="en-US" dirty="0" smtClean="0"/>
-              <a:t>	注册操作</a:t>
-            </a:r>
-          </a:p>
-          <a:p>
+              <a:t>注册操作（</a:t>
+            </a:r>
+            <a:r>
+              <a:rPr lang="en-US" altLang="zh-CN" dirty="0" err="1" smtClean="0"/>
+              <a:t>operations.py</a:t>
+            </a:r>
             <a:r>
               <a:rPr lang="zh-CN" altLang="en-US" dirty="0" smtClean="0"/>
-              <a:t>		</a:t>
+              <a:t>中）</a:t>
+            </a:r>
+          </a:p>
+          <a:p>
+            <a:r>
+              <a:rPr lang="zh-CN" altLang="en-US" dirty="0" smtClean="0"/>
+              <a:t>	</a:t>
             </a:r>
             <a:r>
               <a:rPr lang="en-US" altLang="zh-CN" dirty="0" err="1" smtClean="0"/>
@@ -4970,7 +5100,7 @@
           <a:p>
             <a:r>
               <a:rPr lang="en-US" altLang="zh-CN" dirty="0" smtClean="0"/>
-              <a:t>			</a:t>
+              <a:t>		</a:t>
             </a:r>
             <a:r>
               <a:rPr lang="zh-CN" altLang="en-US" dirty="0" smtClean="0"/>
@@ -4988,13 +5118,13 @@
           <a:p>
             <a:r>
               <a:rPr lang="zh-CN" altLang="en-US" dirty="0" smtClean="0"/>
-              <a:t>			注册</a:t>
+              <a:t>		注册</a:t>
             </a:r>
           </a:p>
           <a:p>
             <a:r>
               <a:rPr lang="zh-CN" altLang="en-US" dirty="0" smtClean="0"/>
-              <a:t>				</a:t>
+              <a:t>			</a:t>
             </a:r>
             <a:r>
               <a:rPr lang="en-US" altLang="zh-CN" dirty="0" smtClean="0"/>
@@ -5009,7 +5139,7 @@
           <a:p>
             <a:r>
               <a:rPr lang="en-US" altLang="zh-CN" dirty="0" smtClean="0"/>
-              <a:t>					</a:t>
+              <a:t>				</a:t>
             </a:r>
             <a:r>
               <a:rPr lang="zh-CN" altLang="en-US" dirty="0" smtClean="0"/>
@@ -5032,9 +5162,6 @@
           </a:p>
           <a:p>
             <a:endParaRPr lang="zh-CN" altLang="en-US" dirty="0" smtClean="0"/>
-          </a:p>
-          <a:p>
-            <a:endParaRPr lang="zh-CN" altLang="en-US" dirty="0"/>
           </a:p>
         </p:txBody>
       </p:sp>
@@ -5099,9 +5226,167 @@
         <p:spPr/>
         <p:txBody>
           <a:bodyPr>
-            <a:normAutofit/>
+            <a:normAutofit lnSpcReduction="10000"/>
           </a:bodyPr>
           <a:lstStyle/>
+          <a:p>
+            <a:endParaRPr lang="en-US" altLang="zh-CN" sz="1600" dirty="0" smtClean="0"/>
+          </a:p>
+          <a:p>
+            <a:r>
+              <a:rPr lang="en-US" altLang="zh-CN" sz="1600" dirty="0" err="1" smtClean="0"/>
+              <a:t>state_plugins/preconstrainer.py</a:t>
+            </a:r>
+            <a:r>
+              <a:rPr lang="en-US" altLang="zh-CN" sz="1600" dirty="0" smtClean="0"/>
+              <a:t> AFL</a:t>
+            </a:r>
+            <a:r>
+              <a:rPr lang="zh-CN" altLang="en-US" sz="1600" dirty="0" smtClean="0"/>
+              <a:t>输入文件转换为</a:t>
+            </a:r>
+            <a:r>
+              <a:rPr lang="en-US" altLang="zh-CN" sz="1600" dirty="0" err="1" smtClean="0"/>
+              <a:t>angr</a:t>
+            </a:r>
+            <a:r>
+              <a:rPr lang="zh-CN" altLang="en-US" sz="1600" dirty="0" smtClean="0"/>
+              <a:t>输入文件</a:t>
+            </a:r>
+          </a:p>
+          <a:p>
+            <a:endParaRPr lang="zh-CN" altLang="en-US" sz="1600" dirty="0" smtClean="0"/>
+          </a:p>
+          <a:p>
+            <a:r>
+              <a:rPr lang="en-US" altLang="zh-CN" sz="1600" dirty="0" err="1" smtClean="0"/>
+              <a:t>afl</a:t>
+            </a:r>
+            <a:r>
+              <a:rPr lang="zh-CN" altLang="en-US" sz="1600" dirty="0" smtClean="0"/>
+              <a:t>调用</a:t>
+            </a:r>
+            <a:r>
+              <a:rPr lang="en-US" altLang="zh-CN" sz="1600" dirty="0" smtClean="0"/>
+              <a:t>driller</a:t>
+            </a:r>
+          </a:p>
+          <a:p>
+            <a:r>
+              <a:rPr lang="en-US" altLang="zh-CN" sz="1600" dirty="0" smtClean="0"/>
+              <a:t>	</a:t>
+            </a:r>
+            <a:r>
+              <a:rPr lang="en-US" altLang="zh-CN" sz="1600" dirty="0" err="1" smtClean="0"/>
+              <a:t>driller_callback</a:t>
+            </a:r>
+            <a:r>
+              <a:rPr lang="zh-CN" altLang="en-US" sz="1600" dirty="0" smtClean="0"/>
+              <a:t>（在</a:t>
+            </a:r>
+            <a:r>
+              <a:rPr lang="en-US" altLang="zh-CN" sz="1600" dirty="0" err="1" smtClean="0"/>
+              <a:t>local_callback.py</a:t>
+            </a:r>
+            <a:r>
+              <a:rPr lang="zh-CN" altLang="en-US" sz="1600" dirty="0" smtClean="0"/>
+              <a:t>里面）</a:t>
+            </a:r>
+          </a:p>
+          <a:p>
+            <a:r>
+              <a:rPr lang="zh-CN" altLang="en-US" sz="1600" dirty="0" smtClean="0"/>
+              <a:t>		</a:t>
+            </a:r>
+            <a:r>
+              <a:rPr lang="en-US" altLang="zh-CN" sz="1600" dirty="0" smtClean="0"/>
+              <a:t>_</a:t>
+            </a:r>
+            <a:r>
+              <a:rPr lang="en-US" altLang="zh-CN" sz="1600" dirty="0" err="1" smtClean="0"/>
+              <a:t>run_driller</a:t>
+            </a:r>
+            <a:endParaRPr lang="en-US" altLang="zh-CN" sz="1600" dirty="0" smtClean="0"/>
+          </a:p>
+          <a:p>
+            <a:r>
+              <a:rPr lang="en-US" altLang="zh-CN" sz="1600" dirty="0" smtClean="0"/>
+              <a:t>			main</a:t>
+            </a:r>
+          </a:p>
+          <a:p>
+            <a:r>
+              <a:rPr lang="en-US" altLang="zh-CN" sz="1600" dirty="0" smtClean="0"/>
+              <a:t>				</a:t>
+            </a:r>
+            <a:r>
+              <a:rPr lang="en-US" altLang="zh-CN" sz="1600" dirty="0" err="1" smtClean="0"/>
+              <a:t>drill_generator</a:t>
+            </a:r>
+            <a:r>
+              <a:rPr lang="zh-CN" altLang="en-US" sz="1600" dirty="0" smtClean="0"/>
+              <a:t>（生成文件写入与输入错误导致的超时处理，在</a:t>
+            </a:r>
+            <a:r>
+              <a:rPr lang="en-US" altLang="zh-CN" sz="1600" dirty="0" err="1" smtClean="0"/>
+              <a:t>driller_main.py</a:t>
+            </a:r>
+            <a:r>
+              <a:rPr lang="zh-CN" altLang="en-US" sz="1600" dirty="0" smtClean="0"/>
+              <a:t>中）</a:t>
+            </a:r>
+          </a:p>
+          <a:p>
+            <a:r>
+              <a:rPr lang="zh-CN" altLang="en-US" sz="1600" dirty="0" smtClean="0"/>
+              <a:t>					</a:t>
+            </a:r>
+            <a:r>
+              <a:rPr lang="en-US" altLang="zh-CN" sz="1600" dirty="0" smtClean="0"/>
+              <a:t>_</a:t>
+            </a:r>
+            <a:r>
+              <a:rPr lang="en-US" altLang="zh-CN" sz="1600" dirty="0" err="1" smtClean="0"/>
+              <a:t>drill_input</a:t>
+            </a:r>
+            <a:r>
+              <a:rPr lang="zh-CN" altLang="en-US" sz="1600" dirty="0" smtClean="0"/>
+              <a:t>（初始化</a:t>
+            </a:r>
+            <a:r>
+              <a:rPr lang="en-US" altLang="zh-CN" sz="1600" dirty="0" smtClean="0"/>
+              <a:t>trace</a:t>
+            </a:r>
+            <a:r>
+              <a:rPr lang="zh-CN" altLang="en-US" sz="1600" dirty="0" smtClean="0"/>
+              <a:t>，</a:t>
+            </a:r>
+            <a:r>
+              <a:rPr lang="en-US" altLang="zh-CN" sz="1600" dirty="0" err="1" smtClean="0"/>
+              <a:t>angr</a:t>
+            </a:r>
+            <a:r>
+              <a:rPr lang="zh-CN" altLang="en-US" sz="1600" dirty="0" smtClean="0"/>
+              <a:t>，执行</a:t>
+            </a:r>
+            <a:r>
+              <a:rPr lang="en-US" altLang="zh-CN" sz="1600" dirty="0" err="1" smtClean="0"/>
+              <a:t>angr</a:t>
+            </a:r>
+            <a:r>
+              <a:rPr lang="zh-CN" altLang="en-US" sz="1600" dirty="0" smtClean="0"/>
+              <a:t>）</a:t>
+            </a:r>
+          </a:p>
+          <a:p>
+            <a:endParaRPr lang="zh-CN" altLang="en-US" sz="1600" dirty="0" smtClean="0"/>
+          </a:p>
+          <a:p>
+            <a:r>
+              <a:rPr lang="zh-CN" altLang="en-US" sz="1600" dirty="0" smtClean="0"/>
+              <a:t>调用的插件：</a:t>
+            </a:r>
+          </a:p>
           <a:p>
             <a:r>
               <a:rPr lang="en-US" altLang="zh-CN" sz="1600" dirty="0" smtClean="0"/>
@@ -5157,135 +5442,6 @@
               <a:rPr lang="zh-CN" altLang="en-US" sz="1600" dirty="0" smtClean="0"/>
               <a:t>啥也没干</a:t>
             </a:r>
-          </a:p>
-          <a:p>
-            <a:r>
-              <a:rPr lang="en-US" altLang="zh-CN" sz="1600" dirty="0" err="1" smtClean="0"/>
-              <a:t>state_plugins/preconstrainer.py</a:t>
-            </a:r>
-            <a:r>
-              <a:rPr lang="en-US" altLang="zh-CN" sz="1600" dirty="0" smtClean="0"/>
-              <a:t> AFL</a:t>
-            </a:r>
-            <a:r>
-              <a:rPr lang="zh-CN" altLang="en-US" sz="1600" dirty="0" smtClean="0"/>
-              <a:t>输入文件转换为</a:t>
-            </a:r>
-            <a:r>
-              <a:rPr lang="en-US" altLang="zh-CN" sz="1600" dirty="0" err="1" smtClean="0"/>
-              <a:t>angr</a:t>
-            </a:r>
-            <a:r>
-              <a:rPr lang="zh-CN" altLang="en-US" sz="1600" dirty="0" smtClean="0"/>
-              <a:t>输入文件</a:t>
-            </a:r>
-          </a:p>
-          <a:p>
-            <a:endParaRPr lang="zh-CN" altLang="en-US" sz="1600" dirty="0" smtClean="0"/>
-          </a:p>
-          <a:p>
-            <a:r>
-              <a:rPr lang="en-US" altLang="zh-CN" sz="1600" dirty="0" err="1" smtClean="0"/>
-              <a:t>afl</a:t>
-            </a:r>
-            <a:r>
-              <a:rPr lang="zh-CN" altLang="en-US" sz="1600" dirty="0" smtClean="0"/>
-              <a:t>调用</a:t>
-            </a:r>
-            <a:r>
-              <a:rPr lang="en-US" altLang="zh-CN" sz="1600" dirty="0" smtClean="0"/>
-              <a:t>driller</a:t>
-            </a:r>
-            <a:r>
-              <a:rPr lang="zh-CN" altLang="en-US" sz="1600" dirty="0" smtClean="0"/>
-              <a:t>（通过注册函数）</a:t>
-            </a:r>
-            <a:endParaRPr lang="en-US" altLang="zh-CN" sz="1600" dirty="0" smtClean="0"/>
-          </a:p>
-          <a:p>
-            <a:r>
-              <a:rPr lang="en-US" altLang="zh-CN" sz="1600" dirty="0" smtClean="0"/>
-              <a:t>	</a:t>
-            </a:r>
-            <a:r>
-              <a:rPr lang="en-US" altLang="zh-CN" sz="1600" dirty="0" err="1" smtClean="0"/>
-              <a:t>driller_callback</a:t>
-            </a:r>
-            <a:endParaRPr lang="en-US" altLang="zh-CN" sz="1600" dirty="0" smtClean="0"/>
-          </a:p>
-          <a:p>
-            <a:r>
-              <a:rPr lang="en-US" altLang="zh-CN" sz="1600" dirty="0" smtClean="0"/>
-              <a:t>	</a:t>
-            </a:r>
-            <a:r>
-              <a:rPr lang="en-US" altLang="zh-CN" sz="1600" dirty="0"/>
-              <a:t>	</a:t>
-            </a:r>
-            <a:r>
-              <a:rPr lang="zh-CN" altLang="en-US" sz="1600" dirty="0" smtClean="0"/>
-              <a:t>逐步最终进入</a:t>
-            </a:r>
-            <a:r>
-              <a:rPr lang="en-US" altLang="zh-CN" sz="1600" dirty="0" err="1" smtClean="0"/>
-              <a:t>drill_generator</a:t>
-            </a:r>
-            <a:r>
-              <a:rPr lang="zh-CN" altLang="en-US" sz="1600" dirty="0" smtClean="0"/>
-              <a:t>（生成文件写入与输入错误导致的超时处理）</a:t>
-            </a:r>
-          </a:p>
-          <a:p>
-            <a:r>
-              <a:rPr lang="zh-CN" altLang="en-US" sz="1600" dirty="0" smtClean="0"/>
-              <a:t>		</a:t>
-            </a:r>
-            <a:r>
-              <a:rPr lang="en-US" altLang="zh-CN" sz="1600" dirty="0"/>
-              <a:t>	</a:t>
-            </a:r>
-            <a:r>
-              <a:rPr lang="zh-CN" altLang="en-US" sz="1600" dirty="0" smtClean="0"/>
-              <a:t>调用</a:t>
-            </a:r>
-            <a:r>
-              <a:rPr lang="en-US" altLang="zh-CN" sz="1600" dirty="0" smtClean="0"/>
-              <a:t>_</a:t>
-            </a:r>
-            <a:r>
-              <a:rPr lang="en-US" altLang="zh-CN" sz="1600" dirty="0" err="1" smtClean="0"/>
-              <a:t>drill_input</a:t>
-            </a:r>
-            <a:r>
-              <a:rPr lang="zh-CN" altLang="en-US" sz="1600" dirty="0" smtClean="0"/>
-              <a:t>（初始化</a:t>
-            </a:r>
-            <a:r>
-              <a:rPr lang="en-US" altLang="zh-CN" sz="1600" dirty="0" smtClean="0"/>
-              <a:t>trace</a:t>
-            </a:r>
-            <a:r>
-              <a:rPr lang="zh-CN" altLang="en-US" sz="1600" dirty="0" smtClean="0"/>
-              <a:t>，</a:t>
-            </a:r>
-            <a:r>
-              <a:rPr lang="en-US" altLang="zh-CN" sz="1600" dirty="0" err="1" smtClean="0"/>
-              <a:t>angr</a:t>
-            </a:r>
-            <a:r>
-              <a:rPr lang="zh-CN" altLang="en-US" sz="1600" dirty="0" smtClean="0"/>
-              <a:t>，执行</a:t>
-            </a:r>
-            <a:r>
-              <a:rPr lang="en-US" altLang="zh-CN" sz="1600" dirty="0" err="1" smtClean="0"/>
-              <a:t>angr</a:t>
-            </a:r>
-            <a:r>
-              <a:rPr lang="zh-CN" altLang="en-US" sz="1600" dirty="0" smtClean="0"/>
-              <a:t>）</a:t>
-            </a:r>
-          </a:p>
-          <a:p>
             <a:endParaRPr lang="zh-CN" altLang="en-US" dirty="0"/>
           </a:p>
         </p:txBody>

--- a/框架分析/angr分析.pptx
+++ b/框架分析/angr分析.pptx
@@ -4217,6 +4217,12 @@
               <a:rPr lang="zh-CN" altLang="en-US" sz="1800" dirty="0" smtClean="0"/>
               <a:t>）</a:t>
             </a:r>
+          </a:p>
+          <a:p>
+            <a:r>
+              <a:rPr lang="zh-CN" altLang="en-US" sz="1800" smtClean="0"/>
+              <a:t>四种分析方法：强制执行，符号执行，后向切片，集值分析</a:t>
+            </a:r>
             <a:endParaRPr lang="zh-CN" altLang="en-US" sz="1800" dirty="0"/>
           </a:p>
         </p:txBody>

--- a/框架分析/angr分析.pptx
+++ b/框架分析/angr分析.pptx
@@ -5530,6 +5530,17 @@
             <a:endParaRPr lang="en-US" altLang="zh-CN" dirty="0" smtClean="0"/>
           </a:p>
           <a:p>
+            <a:r>
+              <a:rPr lang="zh-CN" altLang="en-US" dirty="0" smtClean="0"/>
+              <a:t>返</a:t>
+            </a:r>
+            <a:r>
+              <a:rPr lang="zh-CN" altLang="en-US" dirty="0" smtClean="0"/>
+              <a:t>回不同状态</a:t>
+            </a:r>
+            <a:endParaRPr lang="en-US" altLang="zh-CN" dirty="0" smtClean="0"/>
+          </a:p>
+          <a:p>
             <a:pPr>
               <a:buNone/>
             </a:pPr>

--- a/框架分析/angr分析.pptx
+++ b/框架分析/angr分析.pptx
@@ -7086,6 +7086,13 @@
         </dgm:presLayoutVars>
       </dgm:prSet>
       <dgm:spPr/>
+      <dgm:t>
+        <a:bodyPr/>
+        <a:lstStyle/>
+        <a:p>
+          <a:endParaRPr lang="zh-CN" altLang="en-US"/>
+        </a:p>
+      </dgm:t>
     </dgm:pt>
     <dgm:pt modelId="{36479A5D-90B5-48D1-B17E-51D203192CA4}" type="pres">
       <dgm:prSet presAssocID="{AC19BA0B-15E2-434C-AA0B-8CB1D0C4B11E}" presName="hierRoot1" presStyleCnt="0"/>
@@ -7106,6 +7113,13 @@
         </dgm:presLayoutVars>
       </dgm:prSet>
       <dgm:spPr/>
+      <dgm:t>
+        <a:bodyPr/>
+        <a:lstStyle/>
+        <a:p>
+          <a:endParaRPr lang="zh-CN" altLang="en-US"/>
+        </a:p>
+      </dgm:t>
     </dgm:pt>
     <dgm:pt modelId="{42248141-3DFB-4363-B566-8E3EEB367B27}" type="pres">
       <dgm:prSet presAssocID="{AC19BA0B-15E2-434C-AA0B-8CB1D0C4B11E}" presName="hierChild2" presStyleCnt="0"/>
@@ -7114,6 +7128,13 @@
     <dgm:pt modelId="{52AF3EC0-EE82-47A1-8D42-C5D682492E38}" type="pres">
       <dgm:prSet presAssocID="{769E06EC-7138-447E-91F2-D8AFC6B69445}" presName="Name10" presStyleLbl="parChTrans1D2" presStyleIdx="0" presStyleCnt="5"/>
       <dgm:spPr/>
+      <dgm:t>
+        <a:bodyPr/>
+        <a:lstStyle/>
+        <a:p>
+          <a:endParaRPr lang="zh-CN" altLang="en-US"/>
+        </a:p>
+      </dgm:t>
     </dgm:pt>
     <dgm:pt modelId="{C8F83BD8-EA30-4AE4-80E2-EBAD09D7C54D}" type="pres">
       <dgm:prSet presAssocID="{ECFAC306-7942-4830-8E33-603B6355DDB0}" presName="hierRoot2" presStyleCnt="0"/>
@@ -7134,6 +7155,13 @@
         </dgm:presLayoutVars>
       </dgm:prSet>
       <dgm:spPr/>
+      <dgm:t>
+        <a:bodyPr/>
+        <a:lstStyle/>
+        <a:p>
+          <a:endParaRPr lang="zh-CN" altLang="en-US"/>
+        </a:p>
+      </dgm:t>
     </dgm:pt>
     <dgm:pt modelId="{31B4554E-B684-466A-8B35-E76DA2A58135}" type="pres">
       <dgm:prSet presAssocID="{ECFAC306-7942-4830-8E33-603B6355DDB0}" presName="hierChild3" presStyleCnt="0"/>
@@ -7142,6 +7170,13 @@
     <dgm:pt modelId="{98E0EB29-C03F-4C53-9C68-E81A7A811644}" type="pres">
       <dgm:prSet presAssocID="{AAFFD4DF-E4C9-4303-92C5-4F5E3E180C50}" presName="Name10" presStyleLbl="parChTrans1D2" presStyleIdx="1" presStyleCnt="5"/>
       <dgm:spPr/>
+      <dgm:t>
+        <a:bodyPr/>
+        <a:lstStyle/>
+        <a:p>
+          <a:endParaRPr lang="zh-CN" altLang="en-US"/>
+        </a:p>
+      </dgm:t>
     </dgm:pt>
     <dgm:pt modelId="{666C3ABE-757C-4A77-96EA-F03CA213E846}" type="pres">
       <dgm:prSet presAssocID="{E12AD2CB-44A7-4233-8B27-4630F17AD8E0}" presName="hierRoot2" presStyleCnt="0"/>
@@ -7162,6 +7197,13 @@
         </dgm:presLayoutVars>
       </dgm:prSet>
       <dgm:spPr/>
+      <dgm:t>
+        <a:bodyPr/>
+        <a:lstStyle/>
+        <a:p>
+          <a:endParaRPr lang="zh-CN" altLang="en-US"/>
+        </a:p>
+      </dgm:t>
     </dgm:pt>
     <dgm:pt modelId="{F2EB1BC4-29F2-47FB-A584-95AFCF8E0E78}" type="pres">
       <dgm:prSet presAssocID="{E12AD2CB-44A7-4233-8B27-4630F17AD8E0}" presName="hierChild3" presStyleCnt="0"/>
@@ -7170,6 +7212,13 @@
     <dgm:pt modelId="{8E6D1D9B-32B0-4253-B1D8-D1D15A508128}" type="pres">
       <dgm:prSet presAssocID="{2DDCDBA2-0911-487B-B946-9F084035BC27}" presName="Name10" presStyleLbl="parChTrans1D2" presStyleIdx="2" presStyleCnt="5"/>
       <dgm:spPr/>
+      <dgm:t>
+        <a:bodyPr/>
+        <a:lstStyle/>
+        <a:p>
+          <a:endParaRPr lang="zh-CN" altLang="en-US"/>
+        </a:p>
+      </dgm:t>
     </dgm:pt>
     <dgm:pt modelId="{5A4A3AEC-C620-40E8-8953-4A9FC816E8BE}" type="pres">
       <dgm:prSet presAssocID="{A4C0FAB6-FB20-41A1-99B0-70F1A966AC53}" presName="hierRoot2" presStyleCnt="0"/>
@@ -7190,6 +7239,13 @@
         </dgm:presLayoutVars>
       </dgm:prSet>
       <dgm:spPr/>
+      <dgm:t>
+        <a:bodyPr/>
+        <a:lstStyle/>
+        <a:p>
+          <a:endParaRPr lang="zh-CN" altLang="en-US"/>
+        </a:p>
+      </dgm:t>
     </dgm:pt>
     <dgm:pt modelId="{A3F8EE99-8310-4123-B7A6-F02FB4131354}" type="pres">
       <dgm:prSet presAssocID="{A4C0FAB6-FB20-41A1-99B0-70F1A966AC53}" presName="hierChild3" presStyleCnt="0"/>
@@ -7198,6 +7254,13 @@
     <dgm:pt modelId="{7B42AADA-AAB6-4E42-A693-A60E73A9969F}" type="pres">
       <dgm:prSet presAssocID="{B480B083-AA58-416C-A1E9-BF2423E0AFC0}" presName="Name10" presStyleLbl="parChTrans1D2" presStyleIdx="3" presStyleCnt="5"/>
       <dgm:spPr/>
+      <dgm:t>
+        <a:bodyPr/>
+        <a:lstStyle/>
+        <a:p>
+          <a:endParaRPr lang="zh-CN" altLang="en-US"/>
+        </a:p>
+      </dgm:t>
     </dgm:pt>
     <dgm:pt modelId="{2E3010A4-9609-422F-8556-986707D87751}" type="pres">
       <dgm:prSet presAssocID="{2331F00D-131B-40E4-9C1A-77D28646913B}" presName="hierRoot2" presStyleCnt="0"/>
@@ -7218,6 +7281,13 @@
         </dgm:presLayoutVars>
       </dgm:prSet>
       <dgm:spPr/>
+      <dgm:t>
+        <a:bodyPr/>
+        <a:lstStyle/>
+        <a:p>
+          <a:endParaRPr lang="zh-CN" altLang="en-US"/>
+        </a:p>
+      </dgm:t>
     </dgm:pt>
     <dgm:pt modelId="{AF781F21-9963-4D0D-82CF-6CEA3AA69DAD}" type="pres">
       <dgm:prSet presAssocID="{2331F00D-131B-40E4-9C1A-77D28646913B}" presName="hierChild3" presStyleCnt="0"/>
@@ -7226,6 +7296,13 @@
     <dgm:pt modelId="{954BF8D6-4E81-441A-9D14-9C3C61DE9A81}" type="pres">
       <dgm:prSet presAssocID="{868A5B27-494B-4783-A8E2-02B9DCF1E01A}" presName="Name10" presStyleLbl="parChTrans1D2" presStyleIdx="4" presStyleCnt="5"/>
       <dgm:spPr/>
+      <dgm:t>
+        <a:bodyPr/>
+        <a:lstStyle/>
+        <a:p>
+          <a:endParaRPr lang="zh-CN" altLang="en-US"/>
+        </a:p>
+      </dgm:t>
     </dgm:pt>
     <dgm:pt modelId="{749DD2DB-48C0-419F-9D51-EC7982EDF377}" type="pres">
       <dgm:prSet presAssocID="{66D416DF-9BC2-46B3-AA28-5ABFB2F72F9A}" presName="hierRoot2" presStyleCnt="0"/>
@@ -7264,8 +7341,8 @@
     <dgm:cxn modelId="{41962790-FC59-49B0-9792-9329BC58DBDA}" srcId="{AC19BA0B-15E2-434C-AA0B-8CB1D0C4B11E}" destId="{2331F00D-131B-40E4-9C1A-77D28646913B}" srcOrd="3" destOrd="0" parTransId="{B480B083-AA58-416C-A1E9-BF2423E0AFC0}" sibTransId="{50E9BF89-2434-4130-ABE0-806450504479}"/>
     <dgm:cxn modelId="{A35A3516-2DC2-409C-8CAD-920BE5E04B5F}" srcId="{AC19BA0B-15E2-434C-AA0B-8CB1D0C4B11E}" destId="{ECFAC306-7942-4830-8E33-603B6355DDB0}" srcOrd="0" destOrd="0" parTransId="{769E06EC-7138-447E-91F2-D8AFC6B69445}" sibTransId="{4D86F5C9-702C-4419-B5CB-20C6B2A71F0E}"/>
     <dgm:cxn modelId="{2F1103F1-B056-4638-BB2B-E21E35D24709}" type="presOf" srcId="{2331F00D-131B-40E4-9C1A-77D28646913B}" destId="{FD7A1615-7251-4719-8B2C-0CAF694D6395}" srcOrd="0" destOrd="0" presId="urn:microsoft.com/office/officeart/2005/8/layout/hierarchy1"/>
+    <dgm:cxn modelId="{CFB6DC03-5FFE-49E3-86FD-90AED8B0E864}" type="presOf" srcId="{868A5B27-494B-4783-A8E2-02B9DCF1E01A}" destId="{954BF8D6-4E81-441A-9D14-9C3C61DE9A81}" srcOrd="0" destOrd="0" presId="urn:microsoft.com/office/officeart/2005/8/layout/hierarchy1"/>
     <dgm:cxn modelId="{7FFF9C11-5345-4446-A9A8-DA25EFBCEE32}" type="presOf" srcId="{B480B083-AA58-416C-A1E9-BF2423E0AFC0}" destId="{7B42AADA-AAB6-4E42-A693-A60E73A9969F}" srcOrd="0" destOrd="0" presId="urn:microsoft.com/office/officeart/2005/8/layout/hierarchy1"/>
-    <dgm:cxn modelId="{CFB6DC03-5FFE-49E3-86FD-90AED8B0E864}" type="presOf" srcId="{868A5B27-494B-4783-A8E2-02B9DCF1E01A}" destId="{954BF8D6-4E81-441A-9D14-9C3C61DE9A81}" srcOrd="0" destOrd="0" presId="urn:microsoft.com/office/officeart/2005/8/layout/hierarchy1"/>
     <dgm:cxn modelId="{A1F320D2-C37C-456C-BF71-775933D6F162}" type="presOf" srcId="{ECFAC306-7942-4830-8E33-603B6355DDB0}" destId="{A6D79B3D-A496-47CD-B7D6-F92CC9E8F162}" srcOrd="0" destOrd="0" presId="urn:microsoft.com/office/officeart/2005/8/layout/hierarchy1"/>
     <dgm:cxn modelId="{BCD8FF78-A292-4EE6-A6C3-DEAE24B99510}" type="presOf" srcId="{66D416DF-9BC2-46B3-AA28-5ABFB2F72F9A}" destId="{BDB2A846-15BF-4096-AB57-DD6771F9F783}" srcOrd="0" destOrd="0" presId="urn:microsoft.com/office/officeart/2005/8/layout/hierarchy1"/>
     <dgm:cxn modelId="{9182F41B-AB99-47A6-992E-26D4AAAF087F}" srcId="{AC19BA0B-15E2-434C-AA0B-8CB1D0C4B11E}" destId="{E12AD2CB-44A7-4233-8B27-4630F17AD8E0}" srcOrd="1" destOrd="0" parTransId="{AAFFD4DF-E4C9-4303-92C5-4F5E3E180C50}" sibTransId="{4494D636-571F-4FC3-8EFB-E2CE27BB1E04}"/>
@@ -7275,8 +7352,8 @@
     <dgm:cxn modelId="{B53D5875-4144-4938-A991-B4CAD47F7F5D}" type="presOf" srcId="{3D52B745-4B65-45A4-90D4-20B91BFCE26A}" destId="{42259E98-3159-437E-8868-6C61DB81A776}" srcOrd="0" destOrd="0" presId="urn:microsoft.com/office/officeart/2005/8/layout/hierarchy1"/>
     <dgm:cxn modelId="{7E4724CD-39A3-4ADC-A7DD-826E368797EA}" type="presOf" srcId="{AC19BA0B-15E2-434C-AA0B-8CB1D0C4B11E}" destId="{054D626D-8238-434A-946D-8157597F4780}" srcOrd="0" destOrd="0" presId="urn:microsoft.com/office/officeart/2005/8/layout/hierarchy1"/>
     <dgm:cxn modelId="{B5D36869-6D97-4577-A56A-79058F0BD41C}" srcId="{AC19BA0B-15E2-434C-AA0B-8CB1D0C4B11E}" destId="{66D416DF-9BC2-46B3-AA28-5ABFB2F72F9A}" srcOrd="4" destOrd="0" parTransId="{868A5B27-494B-4783-A8E2-02B9DCF1E01A}" sibTransId="{D35CDDFD-D087-439E-B840-B245F38961EC}"/>
+    <dgm:cxn modelId="{1818EB15-913B-49FD-B91D-2537B4BC5EC1}" srcId="{AC19BA0B-15E2-434C-AA0B-8CB1D0C4B11E}" destId="{A4C0FAB6-FB20-41A1-99B0-70F1A966AC53}" srcOrd="2" destOrd="0" parTransId="{2DDCDBA2-0911-487B-B946-9F084035BC27}" sibTransId="{29195DE0-A2B7-4C66-8725-4812FF7F1887}"/>
     <dgm:cxn modelId="{E4214224-5868-4958-85C3-AFDDB9E24DE4}" type="presOf" srcId="{769E06EC-7138-447E-91F2-D8AFC6B69445}" destId="{52AF3EC0-EE82-47A1-8D42-C5D682492E38}" srcOrd="0" destOrd="0" presId="urn:microsoft.com/office/officeart/2005/8/layout/hierarchy1"/>
-    <dgm:cxn modelId="{1818EB15-913B-49FD-B91D-2537B4BC5EC1}" srcId="{AC19BA0B-15E2-434C-AA0B-8CB1D0C4B11E}" destId="{A4C0FAB6-FB20-41A1-99B0-70F1A966AC53}" srcOrd="2" destOrd="0" parTransId="{2DDCDBA2-0911-487B-B946-9F084035BC27}" sibTransId="{29195DE0-A2B7-4C66-8725-4812FF7F1887}"/>
     <dgm:cxn modelId="{D6465C86-EE9C-447E-A649-9EB96C4F396E}" type="presOf" srcId="{2DDCDBA2-0911-487B-B946-9F084035BC27}" destId="{8E6D1D9B-32B0-4253-B1D8-D1D15A508128}" srcOrd="0" destOrd="0" presId="urn:microsoft.com/office/officeart/2005/8/layout/hierarchy1"/>
     <dgm:cxn modelId="{0344DD10-BE9B-4402-BB90-3D0CFFB224DF}" type="presParOf" srcId="{42259E98-3159-437E-8868-6C61DB81A776}" destId="{36479A5D-90B5-48D1-B17E-51D203192CA4}" srcOrd="0" destOrd="0" presId="urn:microsoft.com/office/officeart/2005/8/layout/hierarchy1"/>
     <dgm:cxn modelId="{2C2F4FBF-B105-4B29-8638-828BAA31802B}" type="presParOf" srcId="{36479A5D-90B5-48D1-B17E-51D203192CA4}" destId="{265C5790-C3C2-47D6-A028-92C3842A8063}" srcOrd="0" destOrd="0" presId="urn:microsoft.com/office/officeart/2005/8/layout/hierarchy1"/>
@@ -7497,6 +7574,13 @@
         </dgm:presLayoutVars>
       </dgm:prSet>
       <dgm:spPr/>
+      <dgm:t>
+        <a:bodyPr/>
+        <a:lstStyle/>
+        <a:p>
+          <a:endParaRPr lang="zh-CN" altLang="en-US"/>
+        </a:p>
+      </dgm:t>
     </dgm:pt>
     <dgm:pt modelId="{4AEEE855-163D-4DEB-9685-48679B70932F}" type="pres">
       <dgm:prSet presAssocID="{67993BFB-949D-421A-AD3C-E8DEBADE957B}" presName="hierRoot1" presStyleCnt="0"/>
@@ -7517,6 +7601,13 @@
         </dgm:presLayoutVars>
       </dgm:prSet>
       <dgm:spPr/>
+      <dgm:t>
+        <a:bodyPr/>
+        <a:lstStyle/>
+        <a:p>
+          <a:endParaRPr lang="zh-CN" altLang="en-US"/>
+        </a:p>
+      </dgm:t>
     </dgm:pt>
     <dgm:pt modelId="{35062DEF-8DF9-4E94-9EE0-D4AE93C74481}" type="pres">
       <dgm:prSet presAssocID="{67993BFB-949D-421A-AD3C-E8DEBADE957B}" presName="hierChild2" presStyleCnt="0"/>
@@ -7525,6 +7616,13 @@
     <dgm:pt modelId="{956D033A-23DB-486B-A4A5-5CA8DF53A981}" type="pres">
       <dgm:prSet presAssocID="{C7CBEED9-FCEC-495E-8426-D54377A1E8FC}" presName="Name10" presStyleLbl="parChTrans1D2" presStyleIdx="0" presStyleCnt="3"/>
       <dgm:spPr/>
+      <dgm:t>
+        <a:bodyPr/>
+        <a:lstStyle/>
+        <a:p>
+          <a:endParaRPr lang="zh-CN" altLang="en-US"/>
+        </a:p>
+      </dgm:t>
     </dgm:pt>
     <dgm:pt modelId="{E0A769E5-2823-4A03-9EF4-275EF77770D6}" type="pres">
       <dgm:prSet presAssocID="{C4AE44D5-9F82-4FDE-8D22-6CBF81D5D4FC}" presName="hierRoot2" presStyleCnt="0"/>
@@ -7545,6 +7643,13 @@
         </dgm:presLayoutVars>
       </dgm:prSet>
       <dgm:spPr/>
+      <dgm:t>
+        <a:bodyPr/>
+        <a:lstStyle/>
+        <a:p>
+          <a:endParaRPr lang="zh-CN" altLang="en-US"/>
+        </a:p>
+      </dgm:t>
     </dgm:pt>
     <dgm:pt modelId="{F388DCD5-3442-49F1-A16A-5DC3205EEC9C}" type="pres">
       <dgm:prSet presAssocID="{C4AE44D5-9F82-4FDE-8D22-6CBF81D5D4FC}" presName="hierChild3" presStyleCnt="0"/>
@@ -7553,6 +7658,13 @@
     <dgm:pt modelId="{2FB5CB5D-6868-4FDA-BBA7-8BB68B1F72C9}" type="pres">
       <dgm:prSet presAssocID="{D226A0DD-E6C6-49BB-92CC-80905F3F3DFF}" presName="Name10" presStyleLbl="parChTrans1D2" presStyleIdx="1" presStyleCnt="3"/>
       <dgm:spPr/>
+      <dgm:t>
+        <a:bodyPr/>
+        <a:lstStyle/>
+        <a:p>
+          <a:endParaRPr lang="zh-CN" altLang="en-US"/>
+        </a:p>
+      </dgm:t>
     </dgm:pt>
     <dgm:pt modelId="{3FB7DD67-796C-4E31-BAEA-6F0140500570}" type="pres">
       <dgm:prSet presAssocID="{64294E32-E8BE-470B-BD04-BBEA9F6F5246}" presName="hierRoot2" presStyleCnt="0"/>
@@ -7573,6 +7685,13 @@
         </dgm:presLayoutVars>
       </dgm:prSet>
       <dgm:spPr/>
+      <dgm:t>
+        <a:bodyPr/>
+        <a:lstStyle/>
+        <a:p>
+          <a:endParaRPr lang="zh-CN" altLang="en-US"/>
+        </a:p>
+      </dgm:t>
     </dgm:pt>
     <dgm:pt modelId="{634048A4-E536-4069-AD1B-9D5DAB3B1C4E}" type="pres">
       <dgm:prSet presAssocID="{64294E32-E8BE-470B-BD04-BBEA9F6F5246}" presName="hierChild3" presStyleCnt="0"/>
@@ -7581,6 +7700,13 @@
     <dgm:pt modelId="{E0A053E5-1A93-43E5-BCBF-B79BD2E53215}" type="pres">
       <dgm:prSet presAssocID="{40D17169-CCA2-4893-B5E2-358A4CE276FF}" presName="Name10" presStyleLbl="parChTrans1D2" presStyleIdx="2" presStyleCnt="3"/>
       <dgm:spPr/>
+      <dgm:t>
+        <a:bodyPr/>
+        <a:lstStyle/>
+        <a:p>
+          <a:endParaRPr lang="zh-CN" altLang="en-US"/>
+        </a:p>
+      </dgm:t>
     </dgm:pt>
     <dgm:pt modelId="{3D07A35E-AB66-4325-83A7-720851665A14}" type="pres">
       <dgm:prSet presAssocID="{BDA0440D-361D-4D82-9E1F-03EEF5742060}" presName="hierRoot2" presStyleCnt="0"/>
@@ -7601,6 +7727,13 @@
         </dgm:presLayoutVars>
       </dgm:prSet>
       <dgm:spPr/>
+      <dgm:t>
+        <a:bodyPr/>
+        <a:lstStyle/>
+        <a:p>
+          <a:endParaRPr lang="zh-CN" altLang="en-US"/>
+        </a:p>
+      </dgm:t>
     </dgm:pt>
     <dgm:pt modelId="{1C446FAD-2DD9-42CE-99BC-DC3E7FD50480}" type="pres">
       <dgm:prSet presAssocID="{BDA0440D-361D-4D82-9E1F-03EEF5742060}" presName="hierChild3" presStyleCnt="0"/>
@@ -7608,18 +7741,18 @@
     </dgm:pt>
   </dgm:ptLst>
   <dgm:cxnLst>
+    <dgm:cxn modelId="{F2A40160-2494-4147-93CE-774EA7D8EE04}" srcId="{67993BFB-949D-421A-AD3C-E8DEBADE957B}" destId="{C4AE44D5-9F82-4FDE-8D22-6CBF81D5D4FC}" srcOrd="0" destOrd="0" parTransId="{C7CBEED9-FCEC-495E-8426-D54377A1E8FC}" sibTransId="{DD9034E7-25D5-4A91-8146-5F2D4F5A0305}"/>
+    <dgm:cxn modelId="{087D7E37-D2B0-4CCE-B636-7BE0DE8EA50F}" type="presOf" srcId="{64294E32-E8BE-470B-BD04-BBEA9F6F5246}" destId="{761EF0DF-75F2-4B6A-A2C3-B0C8EADF7FA9}" srcOrd="0" destOrd="0" presId="urn:microsoft.com/office/officeart/2005/8/layout/hierarchy1"/>
+    <dgm:cxn modelId="{A712EC69-2CEA-461D-B1B0-39B693834EC8}" type="presOf" srcId="{CD274CBB-FA33-46A6-80AD-B5485F44E25C}" destId="{729E9A7A-9D1C-4668-9695-D359FE75262E}" srcOrd="0" destOrd="0" presId="urn:microsoft.com/office/officeart/2005/8/layout/hierarchy1"/>
+    <dgm:cxn modelId="{F038B454-7C59-428A-AA40-8F5286347D97}" type="presOf" srcId="{D226A0DD-E6C6-49BB-92CC-80905F3F3DFF}" destId="{2FB5CB5D-6868-4FDA-BBA7-8BB68B1F72C9}" srcOrd="0" destOrd="0" presId="urn:microsoft.com/office/officeart/2005/8/layout/hierarchy1"/>
+    <dgm:cxn modelId="{CD924D0E-A1C8-4EEC-B4CE-E1CC34BE1862}" type="presOf" srcId="{C4AE44D5-9F82-4FDE-8D22-6CBF81D5D4FC}" destId="{E265D413-DDA3-436E-8607-25A1CE6CFC90}" srcOrd="0" destOrd="0" presId="urn:microsoft.com/office/officeart/2005/8/layout/hierarchy1"/>
+    <dgm:cxn modelId="{A06AEE35-9A9F-4B57-A4E9-4097233B684C}" type="presOf" srcId="{BDA0440D-361D-4D82-9E1F-03EEF5742060}" destId="{9C211218-A136-4B19-8FA0-D3C2D4988EF3}" srcOrd="0" destOrd="0" presId="urn:microsoft.com/office/officeart/2005/8/layout/hierarchy1"/>
+    <dgm:cxn modelId="{B98526BA-5ECE-4DBF-97E7-4EC4618C36E0}" type="presOf" srcId="{C7CBEED9-FCEC-495E-8426-D54377A1E8FC}" destId="{956D033A-23DB-486B-A4A5-5CA8DF53A981}" srcOrd="0" destOrd="0" presId="urn:microsoft.com/office/officeart/2005/8/layout/hierarchy1"/>
+    <dgm:cxn modelId="{DEB37385-E0EE-4FE0-A60A-142FA87927FC}" srcId="{67993BFB-949D-421A-AD3C-E8DEBADE957B}" destId="{BDA0440D-361D-4D82-9E1F-03EEF5742060}" srcOrd="2" destOrd="0" parTransId="{40D17169-CCA2-4893-B5E2-358A4CE276FF}" sibTransId="{C8B12527-A197-4E97-BA51-CDBF4F8AAF81}"/>
+    <dgm:cxn modelId="{1CA05211-22C1-4899-9AD6-11C99C159F83}" type="presOf" srcId="{67993BFB-949D-421A-AD3C-E8DEBADE957B}" destId="{EC02E215-7F58-41E8-8093-A27913D4138F}" srcOrd="0" destOrd="0" presId="urn:microsoft.com/office/officeart/2005/8/layout/hierarchy1"/>
+    <dgm:cxn modelId="{6E84F05A-967C-41A9-B99F-8A5CA6960D8A}" srcId="{67993BFB-949D-421A-AD3C-E8DEBADE957B}" destId="{64294E32-E8BE-470B-BD04-BBEA9F6F5246}" srcOrd="1" destOrd="0" parTransId="{D226A0DD-E6C6-49BB-92CC-80905F3F3DFF}" sibTransId="{03E86118-EBC4-42B5-BA0F-E9C0937F56AE}"/>
     <dgm:cxn modelId="{014AC4D1-D5C7-4FC7-96F3-B19DB33646A0}" srcId="{CD274CBB-FA33-46A6-80AD-B5485F44E25C}" destId="{67993BFB-949D-421A-AD3C-E8DEBADE957B}" srcOrd="0" destOrd="0" parTransId="{DBAC4F4C-BCBC-45BB-897D-01428AD396A7}" sibTransId="{9912F15E-8AE8-4630-90BB-F16983311DD2}"/>
     <dgm:cxn modelId="{ED19BFEC-CBE4-4A42-9B7A-C2A1A70DD3A1}" type="presOf" srcId="{40D17169-CCA2-4893-B5E2-358A4CE276FF}" destId="{E0A053E5-1A93-43E5-BCBF-B79BD2E53215}" srcOrd="0" destOrd="0" presId="urn:microsoft.com/office/officeart/2005/8/layout/hierarchy1"/>
-    <dgm:cxn modelId="{CD924D0E-A1C8-4EEC-B4CE-E1CC34BE1862}" type="presOf" srcId="{C4AE44D5-9F82-4FDE-8D22-6CBF81D5D4FC}" destId="{E265D413-DDA3-436E-8607-25A1CE6CFC90}" srcOrd="0" destOrd="0" presId="urn:microsoft.com/office/officeart/2005/8/layout/hierarchy1"/>
-    <dgm:cxn modelId="{F038B454-7C59-428A-AA40-8F5286347D97}" type="presOf" srcId="{D226A0DD-E6C6-49BB-92CC-80905F3F3DFF}" destId="{2FB5CB5D-6868-4FDA-BBA7-8BB68B1F72C9}" srcOrd="0" destOrd="0" presId="urn:microsoft.com/office/officeart/2005/8/layout/hierarchy1"/>
-    <dgm:cxn modelId="{A06AEE35-9A9F-4B57-A4E9-4097233B684C}" type="presOf" srcId="{BDA0440D-361D-4D82-9E1F-03EEF5742060}" destId="{9C211218-A136-4B19-8FA0-D3C2D4988EF3}" srcOrd="0" destOrd="0" presId="urn:microsoft.com/office/officeart/2005/8/layout/hierarchy1"/>
-    <dgm:cxn modelId="{A712EC69-2CEA-461D-B1B0-39B693834EC8}" type="presOf" srcId="{CD274CBB-FA33-46A6-80AD-B5485F44E25C}" destId="{729E9A7A-9D1C-4668-9695-D359FE75262E}" srcOrd="0" destOrd="0" presId="urn:microsoft.com/office/officeart/2005/8/layout/hierarchy1"/>
-    <dgm:cxn modelId="{B98526BA-5ECE-4DBF-97E7-4EC4618C36E0}" type="presOf" srcId="{C7CBEED9-FCEC-495E-8426-D54377A1E8FC}" destId="{956D033A-23DB-486B-A4A5-5CA8DF53A981}" srcOrd="0" destOrd="0" presId="urn:microsoft.com/office/officeart/2005/8/layout/hierarchy1"/>
-    <dgm:cxn modelId="{1CA05211-22C1-4899-9AD6-11C99C159F83}" type="presOf" srcId="{67993BFB-949D-421A-AD3C-E8DEBADE957B}" destId="{EC02E215-7F58-41E8-8093-A27913D4138F}" srcOrd="0" destOrd="0" presId="urn:microsoft.com/office/officeart/2005/8/layout/hierarchy1"/>
-    <dgm:cxn modelId="{6E84F05A-967C-41A9-B99F-8A5CA6960D8A}" srcId="{67993BFB-949D-421A-AD3C-E8DEBADE957B}" destId="{64294E32-E8BE-470B-BD04-BBEA9F6F5246}" srcOrd="1" destOrd="0" parTransId="{D226A0DD-E6C6-49BB-92CC-80905F3F3DFF}" sibTransId="{03E86118-EBC4-42B5-BA0F-E9C0937F56AE}"/>
-    <dgm:cxn modelId="{DEB37385-E0EE-4FE0-A60A-142FA87927FC}" srcId="{67993BFB-949D-421A-AD3C-E8DEBADE957B}" destId="{BDA0440D-361D-4D82-9E1F-03EEF5742060}" srcOrd="2" destOrd="0" parTransId="{40D17169-CCA2-4893-B5E2-358A4CE276FF}" sibTransId="{C8B12527-A197-4E97-BA51-CDBF4F8AAF81}"/>
-    <dgm:cxn modelId="{F2A40160-2494-4147-93CE-774EA7D8EE04}" srcId="{67993BFB-949D-421A-AD3C-E8DEBADE957B}" destId="{C4AE44D5-9F82-4FDE-8D22-6CBF81D5D4FC}" srcOrd="0" destOrd="0" parTransId="{C7CBEED9-FCEC-495E-8426-D54377A1E8FC}" sibTransId="{DD9034E7-25D5-4A91-8146-5F2D4F5A0305}"/>
-    <dgm:cxn modelId="{087D7E37-D2B0-4CCE-B636-7BE0DE8EA50F}" type="presOf" srcId="{64294E32-E8BE-470B-BD04-BBEA9F6F5246}" destId="{761EF0DF-75F2-4B6A-A2C3-B0C8EADF7FA9}" srcOrd="0" destOrd="0" presId="urn:microsoft.com/office/officeart/2005/8/layout/hierarchy1"/>
     <dgm:cxn modelId="{B3B0CFDA-ABD2-4D20-A7BF-4CC37B963079}" type="presParOf" srcId="{729E9A7A-9D1C-4668-9695-D359FE75262E}" destId="{4AEEE855-163D-4DEB-9685-48679B70932F}" srcOrd="0" destOrd="0" presId="urn:microsoft.com/office/officeart/2005/8/layout/hierarchy1"/>
     <dgm:cxn modelId="{1B00BB9D-2CB1-4B29-8521-E2DA9D563759}" type="presParOf" srcId="{4AEEE855-163D-4DEB-9685-48679B70932F}" destId="{50F797C0-AE03-437A-B4FE-BAE50C50A97F}" srcOrd="0" destOrd="0" presId="urn:microsoft.com/office/officeart/2005/8/layout/hierarchy1"/>
     <dgm:cxn modelId="{A4674068-6EEE-4626-81F7-62E9F7ED5F8D}" type="presParOf" srcId="{50F797C0-AE03-437A-B4FE-BAE50C50A97F}" destId="{C264CAC0-1FD5-43E2-B20D-A6C381636610}" srcOrd="0" destOrd="0" presId="urn:microsoft.com/office/officeart/2005/8/layout/hierarchy1"/>
@@ -7827,6 +7960,13 @@
         </dgm:presLayoutVars>
       </dgm:prSet>
       <dgm:spPr/>
+      <dgm:t>
+        <a:bodyPr/>
+        <a:lstStyle/>
+        <a:p>
+          <a:endParaRPr lang="zh-CN" altLang="en-US"/>
+        </a:p>
+      </dgm:t>
     </dgm:pt>
     <dgm:pt modelId="{4AEEE855-163D-4DEB-9685-48679B70932F}" type="pres">
       <dgm:prSet presAssocID="{67993BFB-949D-421A-AD3C-E8DEBADE957B}" presName="hierRoot1" presStyleCnt="0"/>
@@ -7862,6 +8002,13 @@
     <dgm:pt modelId="{2FB5CB5D-6868-4FDA-BBA7-8BB68B1F72C9}" type="pres">
       <dgm:prSet presAssocID="{D226A0DD-E6C6-49BB-92CC-80905F3F3DFF}" presName="Name10" presStyleLbl="parChTrans1D2" presStyleIdx="0" presStyleCnt="3"/>
       <dgm:spPr/>
+      <dgm:t>
+        <a:bodyPr/>
+        <a:lstStyle/>
+        <a:p>
+          <a:endParaRPr lang="zh-CN" altLang="en-US"/>
+        </a:p>
+      </dgm:t>
     </dgm:pt>
     <dgm:pt modelId="{3FB7DD67-796C-4E31-BAEA-6F0140500570}" type="pres">
       <dgm:prSet presAssocID="{64294E32-E8BE-470B-BD04-BBEA9F6F5246}" presName="hierRoot2" presStyleCnt="0"/>
@@ -7882,6 +8029,13 @@
         </dgm:presLayoutVars>
       </dgm:prSet>
       <dgm:spPr/>
+      <dgm:t>
+        <a:bodyPr/>
+        <a:lstStyle/>
+        <a:p>
+          <a:endParaRPr lang="zh-CN" altLang="en-US"/>
+        </a:p>
+      </dgm:t>
     </dgm:pt>
     <dgm:pt modelId="{634048A4-E536-4069-AD1B-9D5DAB3B1C4E}" type="pres">
       <dgm:prSet presAssocID="{64294E32-E8BE-470B-BD04-BBEA9F6F5246}" presName="hierChild3" presStyleCnt="0"/>
@@ -7890,6 +8044,13 @@
     <dgm:pt modelId="{8430AC38-4950-4C54-A40F-3F4A6884291A}" type="pres">
       <dgm:prSet presAssocID="{9EA99446-D00D-4652-8C4A-5522FD5CBB1A}" presName="Name10" presStyleLbl="parChTrans1D2" presStyleIdx="1" presStyleCnt="3"/>
       <dgm:spPr/>
+      <dgm:t>
+        <a:bodyPr/>
+        <a:lstStyle/>
+        <a:p>
+          <a:endParaRPr lang="zh-CN" altLang="en-US"/>
+        </a:p>
+      </dgm:t>
     </dgm:pt>
     <dgm:pt modelId="{3AEEF238-2804-44E3-B4EC-7278C64D3C3A}" type="pres">
       <dgm:prSet presAssocID="{1C04BBF6-2C38-43EC-B1AB-EDA834307E56}" presName="hierRoot2" presStyleCnt="0"/>
@@ -7910,6 +8071,13 @@
         </dgm:presLayoutVars>
       </dgm:prSet>
       <dgm:spPr/>
+      <dgm:t>
+        <a:bodyPr/>
+        <a:lstStyle/>
+        <a:p>
+          <a:endParaRPr lang="zh-CN" altLang="en-US"/>
+        </a:p>
+      </dgm:t>
     </dgm:pt>
     <dgm:pt modelId="{70C5CED9-8A85-47FF-A525-0B1636632108}" type="pres">
       <dgm:prSet presAssocID="{1C04BBF6-2C38-43EC-B1AB-EDA834307E56}" presName="hierChild3" presStyleCnt="0"/>
@@ -7918,6 +8086,13 @@
     <dgm:pt modelId="{E0A053E5-1A93-43E5-BCBF-B79BD2E53215}" type="pres">
       <dgm:prSet presAssocID="{40D17169-CCA2-4893-B5E2-358A4CE276FF}" presName="Name10" presStyleLbl="parChTrans1D2" presStyleIdx="2" presStyleCnt="3"/>
       <dgm:spPr/>
+      <dgm:t>
+        <a:bodyPr/>
+        <a:lstStyle/>
+        <a:p>
+          <a:endParaRPr lang="zh-CN" altLang="en-US"/>
+        </a:p>
+      </dgm:t>
     </dgm:pt>
     <dgm:pt modelId="{3D07A35E-AB66-4325-83A7-720851665A14}" type="pres">
       <dgm:prSet presAssocID="{BDA0440D-361D-4D82-9E1F-03EEF5742060}" presName="hierRoot2" presStyleCnt="0"/>
@@ -7938,6 +8113,13 @@
         </dgm:presLayoutVars>
       </dgm:prSet>
       <dgm:spPr/>
+      <dgm:t>
+        <a:bodyPr/>
+        <a:lstStyle/>
+        <a:p>
+          <a:endParaRPr lang="zh-CN" altLang="en-US"/>
+        </a:p>
+      </dgm:t>
     </dgm:pt>
     <dgm:pt modelId="{1C446FAD-2DD9-42CE-99BC-DC3E7FD50480}" type="pres">
       <dgm:prSet presAssocID="{BDA0440D-361D-4D82-9E1F-03EEF5742060}" presName="hierChild3" presStyleCnt="0"/>
@@ -7945,17 +8127,17 @@
     </dgm:pt>
   </dgm:ptLst>
   <dgm:cxnLst>
-    <dgm:cxn modelId="{3BFA5980-D32B-4DC3-8060-46CC72226C5A}" type="presOf" srcId="{BDA0440D-361D-4D82-9E1F-03EEF5742060}" destId="{9C211218-A136-4B19-8FA0-D3C2D4988EF3}" srcOrd="0" destOrd="0" presId="urn:microsoft.com/office/officeart/2005/8/layout/hierarchy1"/>
-    <dgm:cxn modelId="{014AC4D1-D5C7-4FC7-96F3-B19DB33646A0}" srcId="{CD274CBB-FA33-46A6-80AD-B5485F44E25C}" destId="{67993BFB-949D-421A-AD3C-E8DEBADE957B}" srcOrd="0" destOrd="0" parTransId="{DBAC4F4C-BCBC-45BB-897D-01428AD396A7}" sibTransId="{9912F15E-8AE8-4630-90BB-F16983311DD2}"/>
-    <dgm:cxn modelId="{5FF4DADB-147B-45E9-B732-A82362D08DD2}" type="presOf" srcId="{64294E32-E8BE-470B-BD04-BBEA9F6F5246}" destId="{761EF0DF-75F2-4B6A-A2C3-B0C8EADF7FA9}" srcOrd="0" destOrd="0" presId="urn:microsoft.com/office/officeart/2005/8/layout/hierarchy1"/>
     <dgm:cxn modelId="{C20D4E97-FBE1-4E7A-9CEE-B5A32F0749EF}" srcId="{67993BFB-949D-421A-AD3C-E8DEBADE957B}" destId="{1C04BBF6-2C38-43EC-B1AB-EDA834307E56}" srcOrd="1" destOrd="0" parTransId="{9EA99446-D00D-4652-8C4A-5522FD5CBB1A}" sibTransId="{0DE7988C-2D89-4FCC-994A-8D05BA1540F7}"/>
     <dgm:cxn modelId="{B89FF692-0D0F-46C8-B0FC-B45C58630B04}" type="presOf" srcId="{CD274CBB-FA33-46A6-80AD-B5485F44E25C}" destId="{729E9A7A-9D1C-4668-9695-D359FE75262E}" srcOrd="0" destOrd="0" presId="urn:microsoft.com/office/officeart/2005/8/layout/hierarchy1"/>
+    <dgm:cxn modelId="{C2A6419F-FD30-4771-8137-0261ADABE35A}" type="presOf" srcId="{1C04BBF6-2C38-43EC-B1AB-EDA834307E56}" destId="{35A004C2-2AD4-4AC8-B6E4-C66422FFCA01}" srcOrd="0" destOrd="0" presId="urn:microsoft.com/office/officeart/2005/8/layout/hierarchy1"/>
+    <dgm:cxn modelId="{416D1E76-8A0C-46AA-8510-356005017B5B}" type="presOf" srcId="{9EA99446-D00D-4652-8C4A-5522FD5CBB1A}" destId="{8430AC38-4950-4C54-A40F-3F4A6884291A}" srcOrd="0" destOrd="0" presId="urn:microsoft.com/office/officeart/2005/8/layout/hierarchy1"/>
     <dgm:cxn modelId="{DAD8F400-7139-41D4-BCFC-7B0C4FE81388}" type="presOf" srcId="{D226A0DD-E6C6-49BB-92CC-80905F3F3DFF}" destId="{2FB5CB5D-6868-4FDA-BBA7-8BB68B1F72C9}" srcOrd="0" destOrd="0" presId="urn:microsoft.com/office/officeart/2005/8/layout/hierarchy1"/>
+    <dgm:cxn modelId="{DEB37385-E0EE-4FE0-A60A-142FA87927FC}" srcId="{67993BFB-949D-421A-AD3C-E8DEBADE957B}" destId="{BDA0440D-361D-4D82-9E1F-03EEF5742060}" srcOrd="2" destOrd="0" parTransId="{40D17169-CCA2-4893-B5E2-358A4CE276FF}" sibTransId="{C8B12527-A197-4E97-BA51-CDBF4F8AAF81}"/>
+    <dgm:cxn modelId="{6E84F05A-967C-41A9-B99F-8A5CA6960D8A}" srcId="{67993BFB-949D-421A-AD3C-E8DEBADE957B}" destId="{64294E32-E8BE-470B-BD04-BBEA9F6F5246}" srcOrd="0" destOrd="0" parTransId="{D226A0DD-E6C6-49BB-92CC-80905F3F3DFF}" sibTransId="{03E86118-EBC4-42B5-BA0F-E9C0937F56AE}"/>
+    <dgm:cxn modelId="{3BFA5980-D32B-4DC3-8060-46CC72226C5A}" type="presOf" srcId="{BDA0440D-361D-4D82-9E1F-03EEF5742060}" destId="{9C211218-A136-4B19-8FA0-D3C2D4988EF3}" srcOrd="0" destOrd="0" presId="urn:microsoft.com/office/officeart/2005/8/layout/hierarchy1"/>
     <dgm:cxn modelId="{85F91A56-3A39-411B-AD4B-0D311C2863FB}" type="presOf" srcId="{40D17169-CCA2-4893-B5E2-358A4CE276FF}" destId="{E0A053E5-1A93-43E5-BCBF-B79BD2E53215}" srcOrd="0" destOrd="0" presId="urn:microsoft.com/office/officeart/2005/8/layout/hierarchy1"/>
-    <dgm:cxn modelId="{6E84F05A-967C-41A9-B99F-8A5CA6960D8A}" srcId="{67993BFB-949D-421A-AD3C-E8DEBADE957B}" destId="{64294E32-E8BE-470B-BD04-BBEA9F6F5246}" srcOrd="0" destOrd="0" parTransId="{D226A0DD-E6C6-49BB-92CC-80905F3F3DFF}" sibTransId="{03E86118-EBC4-42B5-BA0F-E9C0937F56AE}"/>
-    <dgm:cxn modelId="{DEB37385-E0EE-4FE0-A60A-142FA87927FC}" srcId="{67993BFB-949D-421A-AD3C-E8DEBADE957B}" destId="{BDA0440D-361D-4D82-9E1F-03EEF5742060}" srcOrd="2" destOrd="0" parTransId="{40D17169-CCA2-4893-B5E2-358A4CE276FF}" sibTransId="{C8B12527-A197-4E97-BA51-CDBF4F8AAF81}"/>
-    <dgm:cxn modelId="{416D1E76-8A0C-46AA-8510-356005017B5B}" type="presOf" srcId="{9EA99446-D00D-4652-8C4A-5522FD5CBB1A}" destId="{8430AC38-4950-4C54-A40F-3F4A6884291A}" srcOrd="0" destOrd="0" presId="urn:microsoft.com/office/officeart/2005/8/layout/hierarchy1"/>
-    <dgm:cxn modelId="{C2A6419F-FD30-4771-8137-0261ADABE35A}" type="presOf" srcId="{1C04BBF6-2C38-43EC-B1AB-EDA834307E56}" destId="{35A004C2-2AD4-4AC8-B6E4-C66422FFCA01}" srcOrd="0" destOrd="0" presId="urn:microsoft.com/office/officeart/2005/8/layout/hierarchy1"/>
+    <dgm:cxn modelId="{5FF4DADB-147B-45E9-B732-A82362D08DD2}" type="presOf" srcId="{64294E32-E8BE-470B-BD04-BBEA9F6F5246}" destId="{761EF0DF-75F2-4B6A-A2C3-B0C8EADF7FA9}" srcOrd="0" destOrd="0" presId="urn:microsoft.com/office/officeart/2005/8/layout/hierarchy1"/>
+    <dgm:cxn modelId="{014AC4D1-D5C7-4FC7-96F3-B19DB33646A0}" srcId="{CD274CBB-FA33-46A6-80AD-B5485F44E25C}" destId="{67993BFB-949D-421A-AD3C-E8DEBADE957B}" srcOrd="0" destOrd="0" parTransId="{DBAC4F4C-BCBC-45BB-897D-01428AD396A7}" sibTransId="{9912F15E-8AE8-4630-90BB-F16983311DD2}"/>
     <dgm:cxn modelId="{86CB869A-5318-4133-A433-9D96F3B40F05}" type="presOf" srcId="{67993BFB-949D-421A-AD3C-E8DEBADE957B}" destId="{EC02E215-7F58-41E8-8093-A27913D4138F}" srcOrd="0" destOrd="0" presId="urn:microsoft.com/office/officeart/2005/8/layout/hierarchy1"/>
     <dgm:cxn modelId="{1931E9CD-0BC9-4BA2-9D23-5FDB9168CE95}" type="presParOf" srcId="{729E9A7A-9D1C-4668-9695-D359FE75262E}" destId="{4AEEE855-163D-4DEB-9685-48679B70932F}" srcOrd="0" destOrd="0" presId="urn:microsoft.com/office/officeart/2005/8/layout/hierarchy1"/>
     <dgm:cxn modelId="{A781FAE7-3304-421C-B7FD-3DC1E09BC29B}" type="presParOf" srcId="{4AEEE855-163D-4DEB-9685-48679B70932F}" destId="{50F797C0-AE03-437A-B4FE-BAE50C50A97F}" srcOrd="0" destOrd="0" presId="urn:microsoft.com/office/officeart/2005/8/layout/hierarchy1"/>
@@ -8164,6 +8346,13 @@
         </dgm:presLayoutVars>
       </dgm:prSet>
       <dgm:spPr/>
+      <dgm:t>
+        <a:bodyPr/>
+        <a:lstStyle/>
+        <a:p>
+          <a:endParaRPr lang="zh-CN" altLang="en-US"/>
+        </a:p>
+      </dgm:t>
     </dgm:pt>
     <dgm:pt modelId="{4AEEE855-163D-4DEB-9685-48679B70932F}" type="pres">
       <dgm:prSet presAssocID="{67993BFB-949D-421A-AD3C-E8DEBADE957B}" presName="hierRoot1" presStyleCnt="0"/>
@@ -8199,6 +8388,13 @@
     <dgm:pt modelId="{2FB5CB5D-6868-4FDA-BBA7-8BB68B1F72C9}" type="pres">
       <dgm:prSet presAssocID="{D226A0DD-E6C6-49BB-92CC-80905F3F3DFF}" presName="Name10" presStyleLbl="parChTrans1D2" presStyleIdx="0" presStyleCnt="3"/>
       <dgm:spPr/>
+      <dgm:t>
+        <a:bodyPr/>
+        <a:lstStyle/>
+        <a:p>
+          <a:endParaRPr lang="zh-CN" altLang="en-US"/>
+        </a:p>
+      </dgm:t>
     </dgm:pt>
     <dgm:pt modelId="{3FB7DD67-796C-4E31-BAEA-6F0140500570}" type="pres">
       <dgm:prSet presAssocID="{64294E32-E8BE-470B-BD04-BBEA9F6F5246}" presName="hierRoot2" presStyleCnt="0"/>
@@ -8219,6 +8415,13 @@
         </dgm:presLayoutVars>
       </dgm:prSet>
       <dgm:spPr/>
+      <dgm:t>
+        <a:bodyPr/>
+        <a:lstStyle/>
+        <a:p>
+          <a:endParaRPr lang="zh-CN" altLang="en-US"/>
+        </a:p>
+      </dgm:t>
     </dgm:pt>
     <dgm:pt modelId="{634048A4-E536-4069-AD1B-9D5DAB3B1C4E}" type="pres">
       <dgm:prSet presAssocID="{64294E32-E8BE-470B-BD04-BBEA9F6F5246}" presName="hierChild3" presStyleCnt="0"/>
@@ -8227,6 +8430,13 @@
     <dgm:pt modelId="{8430AC38-4950-4C54-A40F-3F4A6884291A}" type="pres">
       <dgm:prSet presAssocID="{9EA99446-D00D-4652-8C4A-5522FD5CBB1A}" presName="Name10" presStyleLbl="parChTrans1D2" presStyleIdx="1" presStyleCnt="3"/>
       <dgm:spPr/>
+      <dgm:t>
+        <a:bodyPr/>
+        <a:lstStyle/>
+        <a:p>
+          <a:endParaRPr lang="zh-CN" altLang="en-US"/>
+        </a:p>
+      </dgm:t>
     </dgm:pt>
     <dgm:pt modelId="{3AEEF238-2804-44E3-B4EC-7278C64D3C3A}" type="pres">
       <dgm:prSet presAssocID="{1C04BBF6-2C38-43EC-B1AB-EDA834307E56}" presName="hierRoot2" presStyleCnt="0"/>
@@ -8247,6 +8457,13 @@
         </dgm:presLayoutVars>
       </dgm:prSet>
       <dgm:spPr/>
+      <dgm:t>
+        <a:bodyPr/>
+        <a:lstStyle/>
+        <a:p>
+          <a:endParaRPr lang="zh-CN" altLang="en-US"/>
+        </a:p>
+      </dgm:t>
     </dgm:pt>
     <dgm:pt modelId="{70C5CED9-8A85-47FF-A525-0B1636632108}" type="pres">
       <dgm:prSet presAssocID="{1C04BBF6-2C38-43EC-B1AB-EDA834307E56}" presName="hierChild3" presStyleCnt="0"/>
@@ -8255,6 +8472,13 @@
     <dgm:pt modelId="{E0A053E5-1A93-43E5-BCBF-B79BD2E53215}" type="pres">
       <dgm:prSet presAssocID="{40D17169-CCA2-4893-B5E2-358A4CE276FF}" presName="Name10" presStyleLbl="parChTrans1D2" presStyleIdx="2" presStyleCnt="3"/>
       <dgm:spPr/>
+      <dgm:t>
+        <a:bodyPr/>
+        <a:lstStyle/>
+        <a:p>
+          <a:endParaRPr lang="zh-CN" altLang="en-US"/>
+        </a:p>
+      </dgm:t>
     </dgm:pt>
     <dgm:pt modelId="{3D07A35E-AB66-4325-83A7-720851665A14}" type="pres">
       <dgm:prSet presAssocID="{BDA0440D-361D-4D82-9E1F-03EEF5742060}" presName="hierRoot2" presStyleCnt="0"/>
@@ -8549,6 +8773,13 @@
         </dgm:presLayoutVars>
       </dgm:prSet>
       <dgm:spPr/>
+      <dgm:t>
+        <a:bodyPr/>
+        <a:lstStyle/>
+        <a:p>
+          <a:endParaRPr lang="zh-CN" altLang="en-US"/>
+        </a:p>
+      </dgm:t>
     </dgm:pt>
     <dgm:pt modelId="{4AEEE855-163D-4DEB-9685-48679B70932F}" type="pres">
       <dgm:prSet presAssocID="{67993BFB-949D-421A-AD3C-E8DEBADE957B}" presName="hierRoot1" presStyleCnt="0"/>
@@ -8584,6 +8815,13 @@
     <dgm:pt modelId="{9D43F9D0-A6B2-46ED-8501-EC3752775F83}" type="pres">
       <dgm:prSet presAssocID="{94346230-5901-42B3-9D70-4749929201C5}" presName="Name10" presStyleLbl="parChTrans1D2" presStyleIdx="0" presStyleCnt="1"/>
       <dgm:spPr/>
+      <dgm:t>
+        <a:bodyPr/>
+        <a:lstStyle/>
+        <a:p>
+          <a:endParaRPr lang="zh-CN" altLang="en-US"/>
+        </a:p>
+      </dgm:t>
     </dgm:pt>
     <dgm:pt modelId="{3B18980F-AEEF-426F-BA9E-4BA161CA184F}" type="pres">
       <dgm:prSet presAssocID="{73BA407F-C0C8-4F73-8BD0-2FF7007D26A1}" presName="hierRoot2" presStyleCnt="0"/>
@@ -8619,6 +8857,13 @@
     <dgm:pt modelId="{4CCD3741-085A-43D8-B004-2AD6C5A31A6B}" type="pres">
       <dgm:prSet presAssocID="{CE14C433-D051-4F7D-B50D-97EBF8A18C6A}" presName="Name17" presStyleLbl="parChTrans1D3" presStyleIdx="0" presStyleCnt="2"/>
       <dgm:spPr/>
+      <dgm:t>
+        <a:bodyPr/>
+        <a:lstStyle/>
+        <a:p>
+          <a:endParaRPr lang="zh-CN" altLang="en-US"/>
+        </a:p>
+      </dgm:t>
     </dgm:pt>
     <dgm:pt modelId="{99D27C35-E3C0-4CDE-A044-771F8006E7EC}" type="pres">
       <dgm:prSet presAssocID="{C06E2186-EAE7-4658-838A-9264ECF2F848}" presName="hierRoot3" presStyleCnt="0"/>
@@ -8654,6 +8899,13 @@
     <dgm:pt modelId="{92DDB539-4483-44EB-B3D8-C015DE04E599}" type="pres">
       <dgm:prSet presAssocID="{B5395748-F2E6-441A-9B8E-CBE8AB3D3030}" presName="Name23" presStyleLbl="parChTrans1D4" presStyleIdx="0" presStyleCnt="1"/>
       <dgm:spPr/>
+      <dgm:t>
+        <a:bodyPr/>
+        <a:lstStyle/>
+        <a:p>
+          <a:endParaRPr lang="zh-CN" altLang="en-US"/>
+        </a:p>
+      </dgm:t>
     </dgm:pt>
     <dgm:pt modelId="{47804A17-6855-4EE5-B4C5-B74C128624BD}" type="pres">
       <dgm:prSet presAssocID="{D796A25D-2746-4C6A-9CD1-74AE3DC90D4A}" presName="hierRoot4" presStyleCnt="0"/>
@@ -8689,6 +8941,13 @@
     <dgm:pt modelId="{7D3F0377-B6DF-47F7-B36D-0C468C23B742}" type="pres">
       <dgm:prSet presAssocID="{7281D21E-6841-4CDD-89F5-86AAD9A783BB}" presName="Name17" presStyleLbl="parChTrans1D3" presStyleIdx="1" presStyleCnt="2"/>
       <dgm:spPr/>
+      <dgm:t>
+        <a:bodyPr/>
+        <a:lstStyle/>
+        <a:p>
+          <a:endParaRPr lang="zh-CN" altLang="en-US"/>
+        </a:p>
+      </dgm:t>
     </dgm:pt>
     <dgm:pt modelId="{C098A1D6-B7D3-4DDC-8CB2-8C8871F4C4C7}" type="pres">
       <dgm:prSet presAssocID="{6B2C0DF2-D191-4322-A3BC-3FD6CB02327D}" presName="hierRoot3" presStyleCnt="0"/>
@@ -8709,6 +8968,13 @@
         </dgm:presLayoutVars>
       </dgm:prSet>
       <dgm:spPr/>
+      <dgm:t>
+        <a:bodyPr/>
+        <a:lstStyle/>
+        <a:p>
+          <a:endParaRPr lang="zh-CN" altLang="en-US"/>
+        </a:p>
+      </dgm:t>
     </dgm:pt>
     <dgm:pt modelId="{282DFB10-1333-4FA1-9D80-A13A5D350678}" type="pres">
       <dgm:prSet presAssocID="{6B2C0DF2-D191-4322-A3BC-3FD6CB02327D}" presName="hierChild4" presStyleCnt="0"/>
@@ -8716,21 +8982,21 @@
     </dgm:pt>
   </dgm:ptLst>
   <dgm:cxnLst>
+    <dgm:cxn modelId="{D93ADFE0-EABA-40B8-A5E6-52B9EC619CD1}" srcId="{73BA407F-C0C8-4F73-8BD0-2FF7007D26A1}" destId="{C06E2186-EAE7-4658-838A-9264ECF2F848}" srcOrd="0" destOrd="0" parTransId="{CE14C433-D051-4F7D-B50D-97EBF8A18C6A}" sibTransId="{D1A5DD92-3BE3-4097-B29B-509856EDDCE5}"/>
+    <dgm:cxn modelId="{AE58EF59-64FD-49CD-9F13-036033636B0D}" type="presOf" srcId="{CE14C433-D051-4F7D-B50D-97EBF8A18C6A}" destId="{4CCD3741-085A-43D8-B004-2AD6C5A31A6B}" srcOrd="0" destOrd="0" presId="urn:microsoft.com/office/officeart/2005/8/layout/hierarchy1"/>
+    <dgm:cxn modelId="{D2E5AD38-3263-460C-A7B0-9931B726E155}" type="presOf" srcId="{6B2C0DF2-D191-4322-A3BC-3FD6CB02327D}" destId="{B01FD003-0A34-4EA6-B16A-91D3BDE4B05A}" srcOrd="0" destOrd="0" presId="urn:microsoft.com/office/officeart/2005/8/layout/hierarchy1"/>
+    <dgm:cxn modelId="{EBBE95BC-B5C5-45CA-9D4F-1346E70A9382}" type="presOf" srcId="{73BA407F-C0C8-4F73-8BD0-2FF7007D26A1}" destId="{3147FC66-4AAE-4531-B46E-9626765FB177}" srcOrd="0" destOrd="0" presId="urn:microsoft.com/office/officeart/2005/8/layout/hierarchy1"/>
+    <dgm:cxn modelId="{48F9FE4F-216D-498B-9874-98AEE2F094F2}" srcId="{73BA407F-C0C8-4F73-8BD0-2FF7007D26A1}" destId="{6B2C0DF2-D191-4322-A3BC-3FD6CB02327D}" srcOrd="1" destOrd="0" parTransId="{7281D21E-6841-4CDD-89F5-86AAD9A783BB}" sibTransId="{B69AE0B9-4E9A-48FC-B929-509D3EF35D3C}"/>
+    <dgm:cxn modelId="{B47A7904-D87C-4F23-8342-E114808913F1}" srcId="{67993BFB-949D-421A-AD3C-E8DEBADE957B}" destId="{73BA407F-C0C8-4F73-8BD0-2FF7007D26A1}" srcOrd="0" destOrd="0" parTransId="{94346230-5901-42B3-9D70-4749929201C5}" sibTransId="{82F2B9EA-3B53-4885-BE39-8BE5131997C4}"/>
+    <dgm:cxn modelId="{E404C945-93D4-49AA-9DB3-96249C8CC58D}" type="presOf" srcId="{CD274CBB-FA33-46A6-80AD-B5485F44E25C}" destId="{729E9A7A-9D1C-4668-9695-D359FE75262E}" srcOrd="0" destOrd="0" presId="urn:microsoft.com/office/officeart/2005/8/layout/hierarchy1"/>
     <dgm:cxn modelId="{C4EF140A-071E-410A-AD56-4D8F65489A35}" type="presOf" srcId="{67993BFB-949D-421A-AD3C-E8DEBADE957B}" destId="{EC02E215-7F58-41E8-8093-A27913D4138F}" srcOrd="0" destOrd="0" presId="urn:microsoft.com/office/officeart/2005/8/layout/hierarchy1"/>
-    <dgm:cxn modelId="{D2E5AD38-3263-460C-A7B0-9931B726E155}" type="presOf" srcId="{6B2C0DF2-D191-4322-A3BC-3FD6CB02327D}" destId="{B01FD003-0A34-4EA6-B16A-91D3BDE4B05A}" srcOrd="0" destOrd="0" presId="urn:microsoft.com/office/officeart/2005/8/layout/hierarchy1"/>
+    <dgm:cxn modelId="{03565A73-8966-4D33-80ED-73088F53DC65}" type="presOf" srcId="{7281D21E-6841-4CDD-89F5-86AAD9A783BB}" destId="{7D3F0377-B6DF-47F7-B36D-0C468C23B742}" srcOrd="0" destOrd="0" presId="urn:microsoft.com/office/officeart/2005/8/layout/hierarchy1"/>
+    <dgm:cxn modelId="{544446F8-BD98-4D55-9218-50B9CCE02AC9}" srcId="{C06E2186-EAE7-4658-838A-9264ECF2F848}" destId="{D796A25D-2746-4C6A-9CD1-74AE3DC90D4A}" srcOrd="0" destOrd="0" parTransId="{B5395748-F2E6-441A-9B8E-CBE8AB3D3030}" sibTransId="{31DB822C-35F5-48C0-9290-B7B556742624}"/>
     <dgm:cxn modelId="{26DBC51E-E5E5-4DC8-8B94-346C43FCA3F0}" type="presOf" srcId="{D796A25D-2746-4C6A-9CD1-74AE3DC90D4A}" destId="{6D309A81-9954-49F7-A648-BE2E36D2210B}" srcOrd="0" destOrd="0" presId="urn:microsoft.com/office/officeart/2005/8/layout/hierarchy1"/>
-    <dgm:cxn modelId="{544446F8-BD98-4D55-9218-50B9CCE02AC9}" srcId="{C06E2186-EAE7-4658-838A-9264ECF2F848}" destId="{D796A25D-2746-4C6A-9CD1-74AE3DC90D4A}" srcOrd="0" destOrd="0" parTransId="{B5395748-F2E6-441A-9B8E-CBE8AB3D3030}" sibTransId="{31DB822C-35F5-48C0-9290-B7B556742624}"/>
+    <dgm:cxn modelId="{014AC4D1-D5C7-4FC7-96F3-B19DB33646A0}" srcId="{CD274CBB-FA33-46A6-80AD-B5485F44E25C}" destId="{67993BFB-949D-421A-AD3C-E8DEBADE957B}" srcOrd="0" destOrd="0" parTransId="{DBAC4F4C-BCBC-45BB-897D-01428AD396A7}" sibTransId="{9912F15E-8AE8-4630-90BB-F16983311DD2}"/>
     <dgm:cxn modelId="{7BFFE00A-4AB8-4F7F-824C-521FE2C5F824}" type="presOf" srcId="{C06E2186-EAE7-4658-838A-9264ECF2F848}" destId="{8280B236-26B3-4EEA-9BD3-D97371DCCA17}" srcOrd="0" destOrd="0" presId="urn:microsoft.com/office/officeart/2005/8/layout/hierarchy1"/>
-    <dgm:cxn modelId="{EBBE95BC-B5C5-45CA-9D4F-1346E70A9382}" type="presOf" srcId="{73BA407F-C0C8-4F73-8BD0-2FF7007D26A1}" destId="{3147FC66-4AAE-4531-B46E-9626765FB177}" srcOrd="0" destOrd="0" presId="urn:microsoft.com/office/officeart/2005/8/layout/hierarchy1"/>
-    <dgm:cxn modelId="{014AC4D1-D5C7-4FC7-96F3-B19DB33646A0}" srcId="{CD274CBB-FA33-46A6-80AD-B5485F44E25C}" destId="{67993BFB-949D-421A-AD3C-E8DEBADE957B}" srcOrd="0" destOrd="0" parTransId="{DBAC4F4C-BCBC-45BB-897D-01428AD396A7}" sibTransId="{9912F15E-8AE8-4630-90BB-F16983311DD2}"/>
-    <dgm:cxn modelId="{E404C945-93D4-49AA-9DB3-96249C8CC58D}" type="presOf" srcId="{CD274CBB-FA33-46A6-80AD-B5485F44E25C}" destId="{729E9A7A-9D1C-4668-9695-D359FE75262E}" srcOrd="0" destOrd="0" presId="urn:microsoft.com/office/officeart/2005/8/layout/hierarchy1"/>
-    <dgm:cxn modelId="{B47A7904-D87C-4F23-8342-E114808913F1}" srcId="{67993BFB-949D-421A-AD3C-E8DEBADE957B}" destId="{73BA407F-C0C8-4F73-8BD0-2FF7007D26A1}" srcOrd="0" destOrd="0" parTransId="{94346230-5901-42B3-9D70-4749929201C5}" sibTransId="{82F2B9EA-3B53-4885-BE39-8BE5131997C4}"/>
-    <dgm:cxn modelId="{48F9FE4F-216D-498B-9874-98AEE2F094F2}" srcId="{73BA407F-C0C8-4F73-8BD0-2FF7007D26A1}" destId="{6B2C0DF2-D191-4322-A3BC-3FD6CB02327D}" srcOrd="1" destOrd="0" parTransId="{7281D21E-6841-4CDD-89F5-86AAD9A783BB}" sibTransId="{B69AE0B9-4E9A-48FC-B929-509D3EF35D3C}"/>
     <dgm:cxn modelId="{EA8F6E26-AFAE-4186-B3E6-B1F28C4B843B}" type="presOf" srcId="{B5395748-F2E6-441A-9B8E-CBE8AB3D3030}" destId="{92DDB539-4483-44EB-B3D8-C015DE04E599}" srcOrd="0" destOrd="0" presId="urn:microsoft.com/office/officeart/2005/8/layout/hierarchy1"/>
-    <dgm:cxn modelId="{03565A73-8966-4D33-80ED-73088F53DC65}" type="presOf" srcId="{7281D21E-6841-4CDD-89F5-86AAD9A783BB}" destId="{7D3F0377-B6DF-47F7-B36D-0C468C23B742}" srcOrd="0" destOrd="0" presId="urn:microsoft.com/office/officeart/2005/8/layout/hierarchy1"/>
     <dgm:cxn modelId="{C86A9766-761D-4BDC-ABCF-A604FB58EE51}" type="presOf" srcId="{94346230-5901-42B3-9D70-4749929201C5}" destId="{9D43F9D0-A6B2-46ED-8501-EC3752775F83}" srcOrd="0" destOrd="0" presId="urn:microsoft.com/office/officeart/2005/8/layout/hierarchy1"/>
-    <dgm:cxn modelId="{AE58EF59-64FD-49CD-9F13-036033636B0D}" type="presOf" srcId="{CE14C433-D051-4F7D-B50D-97EBF8A18C6A}" destId="{4CCD3741-085A-43D8-B004-2AD6C5A31A6B}" srcOrd="0" destOrd="0" presId="urn:microsoft.com/office/officeart/2005/8/layout/hierarchy1"/>
-    <dgm:cxn modelId="{D93ADFE0-EABA-40B8-A5E6-52B9EC619CD1}" srcId="{73BA407F-C0C8-4F73-8BD0-2FF7007D26A1}" destId="{C06E2186-EAE7-4658-838A-9264ECF2F848}" srcOrd="0" destOrd="0" parTransId="{CE14C433-D051-4F7D-B50D-97EBF8A18C6A}" sibTransId="{D1A5DD92-3BE3-4097-B29B-509856EDDCE5}"/>
     <dgm:cxn modelId="{41789C2A-335C-4586-90AC-2B4238C6BD72}" type="presParOf" srcId="{729E9A7A-9D1C-4668-9695-D359FE75262E}" destId="{4AEEE855-163D-4DEB-9685-48679B70932F}" srcOrd="0" destOrd="0" presId="urn:microsoft.com/office/officeart/2005/8/layout/hierarchy1"/>
     <dgm:cxn modelId="{FED5C6FE-F791-4695-B226-0B363F439BBE}" type="presParOf" srcId="{4AEEE855-163D-4DEB-9685-48679B70932F}" destId="{50F797C0-AE03-437A-B4FE-BAE50C50A97F}" srcOrd="0" destOrd="0" presId="urn:microsoft.com/office/officeart/2005/8/layout/hierarchy1"/>
     <dgm:cxn modelId="{C0AFB2F9-B708-4CA2-A7D4-7C9A25291915}" type="presParOf" srcId="{50F797C0-AE03-437A-B4FE-BAE50C50A97F}" destId="{C264CAC0-1FD5-43E2-B20D-A6C381636610}" srcOrd="0" destOrd="0" presId="urn:microsoft.com/office/officeart/2005/8/layout/hierarchy1"/>
@@ -8944,6 +9210,13 @@
         </dgm:presLayoutVars>
       </dgm:prSet>
       <dgm:spPr/>
+      <dgm:t>
+        <a:bodyPr/>
+        <a:lstStyle/>
+        <a:p>
+          <a:endParaRPr lang="zh-CN" altLang="en-US"/>
+        </a:p>
+      </dgm:t>
     </dgm:pt>
     <dgm:pt modelId="{4AEEE855-163D-4DEB-9685-48679B70932F}" type="pres">
       <dgm:prSet presAssocID="{67993BFB-949D-421A-AD3C-E8DEBADE957B}" presName="hierRoot1" presStyleCnt="0"/>
@@ -8979,6 +9252,13 @@
     <dgm:pt modelId="{8430AC38-4950-4C54-A40F-3F4A6884291A}" type="pres">
       <dgm:prSet presAssocID="{9EA99446-D00D-4652-8C4A-5522FD5CBB1A}" presName="Name10" presStyleLbl="parChTrans1D2" presStyleIdx="0" presStyleCnt="2"/>
       <dgm:spPr/>
+      <dgm:t>
+        <a:bodyPr/>
+        <a:lstStyle/>
+        <a:p>
+          <a:endParaRPr lang="zh-CN" altLang="en-US"/>
+        </a:p>
+      </dgm:t>
     </dgm:pt>
     <dgm:pt modelId="{3AEEF238-2804-44E3-B4EC-7278C64D3C3A}" type="pres">
       <dgm:prSet presAssocID="{1C04BBF6-2C38-43EC-B1AB-EDA834307E56}" presName="hierRoot2" presStyleCnt="0"/>
@@ -8999,6 +9279,13 @@
         </dgm:presLayoutVars>
       </dgm:prSet>
       <dgm:spPr/>
+      <dgm:t>
+        <a:bodyPr/>
+        <a:lstStyle/>
+        <a:p>
+          <a:endParaRPr lang="zh-CN" altLang="en-US"/>
+        </a:p>
+      </dgm:t>
     </dgm:pt>
     <dgm:pt modelId="{70C5CED9-8A85-47FF-A525-0B1636632108}" type="pres">
       <dgm:prSet presAssocID="{1C04BBF6-2C38-43EC-B1AB-EDA834307E56}" presName="hierChild3" presStyleCnt="0"/>
@@ -9007,6 +9294,13 @@
     <dgm:pt modelId="{E0A053E5-1A93-43E5-BCBF-B79BD2E53215}" type="pres">
       <dgm:prSet presAssocID="{40D17169-CCA2-4893-B5E2-358A4CE276FF}" presName="Name10" presStyleLbl="parChTrans1D2" presStyleIdx="1" presStyleCnt="2"/>
       <dgm:spPr/>
+      <dgm:t>
+        <a:bodyPr/>
+        <a:lstStyle/>
+        <a:p>
+          <a:endParaRPr lang="zh-CN" altLang="en-US"/>
+        </a:p>
+      </dgm:t>
     </dgm:pt>
     <dgm:pt modelId="{3D07A35E-AB66-4325-83A7-720851665A14}" type="pres">
       <dgm:prSet presAssocID="{BDA0440D-361D-4D82-9E1F-03EEF5742060}" presName="hierRoot2" presStyleCnt="0"/>
@@ -9042,6 +9336,13 @@
     <dgm:pt modelId="{27B629E4-40B8-4EAA-B5E3-305634D3E0F1}" type="pres">
       <dgm:prSet presAssocID="{E9DEC364-6311-4AD2-B12A-5DEC4E383585}" presName="Name17" presStyleLbl="parChTrans1D3" presStyleIdx="0" presStyleCnt="1"/>
       <dgm:spPr/>
+      <dgm:t>
+        <a:bodyPr/>
+        <a:lstStyle/>
+        <a:p>
+          <a:endParaRPr lang="zh-CN" altLang="en-US"/>
+        </a:p>
+      </dgm:t>
     </dgm:pt>
     <dgm:pt modelId="{53E23014-9755-4069-85CB-6AFD27C6EBA8}" type="pres">
       <dgm:prSet presAssocID="{D1B39015-A0B3-411C-AB36-BA32267F7BEF}" presName="hierRoot3" presStyleCnt="0"/>
@@ -9062,6 +9363,13 @@
         </dgm:presLayoutVars>
       </dgm:prSet>
       <dgm:spPr/>
+      <dgm:t>
+        <a:bodyPr/>
+        <a:lstStyle/>
+        <a:p>
+          <a:endParaRPr lang="zh-CN" altLang="en-US"/>
+        </a:p>
+      </dgm:t>
     </dgm:pt>
     <dgm:pt modelId="{A2995EC4-B6F8-4EC3-9C5F-88FF95BA5E2F}" type="pres">
       <dgm:prSet presAssocID="{D1B39015-A0B3-411C-AB36-BA32267F7BEF}" presName="hierChild4" presStyleCnt="0"/>
@@ -9288,6 +9596,13 @@
         </dgm:presLayoutVars>
       </dgm:prSet>
       <dgm:spPr/>
+      <dgm:t>
+        <a:bodyPr/>
+        <a:lstStyle/>
+        <a:p>
+          <a:endParaRPr lang="zh-CN" altLang="en-US"/>
+        </a:p>
+      </dgm:t>
     </dgm:pt>
     <dgm:pt modelId="{4AEEE855-163D-4DEB-9685-48679B70932F}" type="pres">
       <dgm:prSet presAssocID="{67993BFB-949D-421A-AD3C-E8DEBADE957B}" presName="hierRoot1" presStyleCnt="0"/>
@@ -9323,6 +9638,13 @@
     <dgm:pt modelId="{2FB5CB5D-6868-4FDA-BBA7-8BB68B1F72C9}" type="pres">
       <dgm:prSet presAssocID="{D226A0DD-E6C6-49BB-92CC-80905F3F3DFF}" presName="Name10" presStyleLbl="parChTrans1D2" presStyleIdx="0" presStyleCnt="3"/>
       <dgm:spPr/>
+      <dgm:t>
+        <a:bodyPr/>
+        <a:lstStyle/>
+        <a:p>
+          <a:endParaRPr lang="zh-CN" altLang="en-US"/>
+        </a:p>
+      </dgm:t>
     </dgm:pt>
     <dgm:pt modelId="{3FB7DD67-796C-4E31-BAEA-6F0140500570}" type="pres">
       <dgm:prSet presAssocID="{64294E32-E8BE-470B-BD04-BBEA9F6F5246}" presName="hierRoot2" presStyleCnt="0"/>
@@ -9358,6 +9680,13 @@
     <dgm:pt modelId="{8430AC38-4950-4C54-A40F-3F4A6884291A}" type="pres">
       <dgm:prSet presAssocID="{9EA99446-D00D-4652-8C4A-5522FD5CBB1A}" presName="Name10" presStyleLbl="parChTrans1D2" presStyleIdx="1" presStyleCnt="3"/>
       <dgm:spPr/>
+      <dgm:t>
+        <a:bodyPr/>
+        <a:lstStyle/>
+        <a:p>
+          <a:endParaRPr lang="zh-CN" altLang="en-US"/>
+        </a:p>
+      </dgm:t>
     </dgm:pt>
     <dgm:pt modelId="{3AEEF238-2804-44E3-B4EC-7278C64D3C3A}" type="pres">
       <dgm:prSet presAssocID="{1C04BBF6-2C38-43EC-B1AB-EDA834307E56}" presName="hierRoot2" presStyleCnt="0"/>
@@ -9393,6 +9722,13 @@
     <dgm:pt modelId="{E0A053E5-1A93-43E5-BCBF-B79BD2E53215}" type="pres">
       <dgm:prSet presAssocID="{40D17169-CCA2-4893-B5E2-358A4CE276FF}" presName="Name10" presStyleLbl="parChTrans1D2" presStyleIdx="2" presStyleCnt="3"/>
       <dgm:spPr/>
+      <dgm:t>
+        <a:bodyPr/>
+        <a:lstStyle/>
+        <a:p>
+          <a:endParaRPr lang="zh-CN" altLang="en-US"/>
+        </a:p>
+      </dgm:t>
     </dgm:pt>
     <dgm:pt modelId="{3D07A35E-AB66-4325-83A7-720851665A14}" type="pres">
       <dgm:prSet presAssocID="{BDA0440D-361D-4D82-9E1F-03EEF5742060}" presName="hierRoot2" presStyleCnt="0"/>
@@ -9720,6 +10056,13 @@
         </dgm:presLayoutVars>
       </dgm:prSet>
       <dgm:spPr/>
+      <dgm:t>
+        <a:bodyPr/>
+        <a:lstStyle/>
+        <a:p>
+          <a:endParaRPr lang="zh-CN" altLang="en-US"/>
+        </a:p>
+      </dgm:t>
     </dgm:pt>
     <dgm:pt modelId="{4AEEE855-163D-4DEB-9685-48679B70932F}" type="pres">
       <dgm:prSet presAssocID="{67993BFB-949D-421A-AD3C-E8DEBADE957B}" presName="hierRoot1" presStyleCnt="0"/>
@@ -9755,6 +10098,13 @@
     <dgm:pt modelId="{2FB5CB5D-6868-4FDA-BBA7-8BB68B1F72C9}" type="pres">
       <dgm:prSet presAssocID="{D226A0DD-E6C6-49BB-92CC-80905F3F3DFF}" presName="Name10" presStyleLbl="parChTrans1D2" presStyleIdx="0" presStyleCnt="5"/>
       <dgm:spPr/>
+      <dgm:t>
+        <a:bodyPr/>
+        <a:lstStyle/>
+        <a:p>
+          <a:endParaRPr lang="zh-CN" altLang="en-US"/>
+        </a:p>
+      </dgm:t>
     </dgm:pt>
     <dgm:pt modelId="{3FB7DD67-796C-4E31-BAEA-6F0140500570}" type="pres">
       <dgm:prSet presAssocID="{64294E32-E8BE-470B-BD04-BBEA9F6F5246}" presName="hierRoot2" presStyleCnt="0"/>
@@ -9790,6 +10140,13 @@
     <dgm:pt modelId="{D22DF07E-BD01-48C5-A133-9878C98A44F2}" type="pres">
       <dgm:prSet presAssocID="{3C5152D4-0FCC-436F-BD30-90A61E8357F8}" presName="Name10" presStyleLbl="parChTrans1D2" presStyleIdx="1" presStyleCnt="5"/>
       <dgm:spPr/>
+      <dgm:t>
+        <a:bodyPr/>
+        <a:lstStyle/>
+        <a:p>
+          <a:endParaRPr lang="zh-CN" altLang="en-US"/>
+        </a:p>
+      </dgm:t>
     </dgm:pt>
     <dgm:pt modelId="{7DBF2578-6767-4553-8B29-5A1D9D49C905}" type="pres">
       <dgm:prSet presAssocID="{CC69A315-C804-4DD7-8CC2-05AC11BE7DA5}" presName="hierRoot2" presStyleCnt="0"/>
@@ -9810,6 +10167,13 @@
         </dgm:presLayoutVars>
       </dgm:prSet>
       <dgm:spPr/>
+      <dgm:t>
+        <a:bodyPr/>
+        <a:lstStyle/>
+        <a:p>
+          <a:endParaRPr lang="zh-CN" altLang="en-US"/>
+        </a:p>
+      </dgm:t>
     </dgm:pt>
     <dgm:pt modelId="{B96B443B-8038-49A1-A62C-2702A27EA783}" type="pres">
       <dgm:prSet presAssocID="{CC69A315-C804-4DD7-8CC2-05AC11BE7DA5}" presName="hierChild3" presStyleCnt="0"/>
@@ -9818,6 +10182,13 @@
     <dgm:pt modelId="{461CB3E3-0537-46CC-ACC1-775FD445DD92}" type="pres">
       <dgm:prSet presAssocID="{D7F507BD-2CD3-43B8-A229-9417B01CFABD}" presName="Name10" presStyleLbl="parChTrans1D2" presStyleIdx="2" presStyleCnt="5"/>
       <dgm:spPr/>
+      <dgm:t>
+        <a:bodyPr/>
+        <a:lstStyle/>
+        <a:p>
+          <a:endParaRPr lang="zh-CN" altLang="en-US"/>
+        </a:p>
+      </dgm:t>
     </dgm:pt>
     <dgm:pt modelId="{FD832E5C-B571-4EE9-9FAC-540D1345CB62}" type="pres">
       <dgm:prSet presAssocID="{51532EE6-9E30-432B-82B8-46816228BD07}" presName="hierRoot2" presStyleCnt="0"/>
@@ -9838,6 +10209,13 @@
         </dgm:presLayoutVars>
       </dgm:prSet>
       <dgm:spPr/>
+      <dgm:t>
+        <a:bodyPr/>
+        <a:lstStyle/>
+        <a:p>
+          <a:endParaRPr lang="zh-CN" altLang="en-US"/>
+        </a:p>
+      </dgm:t>
     </dgm:pt>
     <dgm:pt modelId="{BED53949-1527-4547-9452-032A0D9B4D09}" type="pres">
       <dgm:prSet presAssocID="{51532EE6-9E30-432B-82B8-46816228BD07}" presName="hierChild3" presStyleCnt="0"/>
@@ -9846,6 +10224,13 @@
     <dgm:pt modelId="{8430AC38-4950-4C54-A40F-3F4A6884291A}" type="pres">
       <dgm:prSet presAssocID="{9EA99446-D00D-4652-8C4A-5522FD5CBB1A}" presName="Name10" presStyleLbl="parChTrans1D2" presStyleIdx="3" presStyleCnt="5"/>
       <dgm:spPr/>
+      <dgm:t>
+        <a:bodyPr/>
+        <a:lstStyle/>
+        <a:p>
+          <a:endParaRPr lang="zh-CN" altLang="en-US"/>
+        </a:p>
+      </dgm:t>
     </dgm:pt>
     <dgm:pt modelId="{3AEEF238-2804-44E3-B4EC-7278C64D3C3A}" type="pres">
       <dgm:prSet presAssocID="{1C04BBF6-2C38-43EC-B1AB-EDA834307E56}" presName="hierRoot2" presStyleCnt="0"/>
@@ -9881,6 +10266,13 @@
     <dgm:pt modelId="{E0A053E5-1A93-43E5-BCBF-B79BD2E53215}" type="pres">
       <dgm:prSet presAssocID="{40D17169-CCA2-4893-B5E2-358A4CE276FF}" presName="Name10" presStyleLbl="parChTrans1D2" presStyleIdx="4" presStyleCnt="5"/>
       <dgm:spPr/>
+      <dgm:t>
+        <a:bodyPr/>
+        <a:lstStyle/>
+        <a:p>
+          <a:endParaRPr lang="zh-CN" altLang="en-US"/>
+        </a:p>
+      </dgm:t>
     </dgm:pt>
     <dgm:pt modelId="{3D07A35E-AB66-4325-83A7-720851665A14}" type="pres">
       <dgm:prSet presAssocID="{BDA0440D-361D-4D82-9E1F-03EEF5742060}" presName="hierRoot2" presStyleCnt="0"/>
@@ -10131,6 +10523,13 @@
         </dgm:presLayoutVars>
       </dgm:prSet>
       <dgm:spPr/>
+      <dgm:t>
+        <a:bodyPr/>
+        <a:lstStyle/>
+        <a:p>
+          <a:endParaRPr lang="zh-CN" altLang="en-US"/>
+        </a:p>
+      </dgm:t>
     </dgm:pt>
     <dgm:pt modelId="{4AEEE855-163D-4DEB-9685-48679B70932F}" type="pres">
       <dgm:prSet presAssocID="{67993BFB-949D-421A-AD3C-E8DEBADE957B}" presName="hierRoot1" presStyleCnt="0"/>
@@ -10166,6 +10565,13 @@
     <dgm:pt modelId="{8430AC38-4950-4C54-A40F-3F4A6884291A}" type="pres">
       <dgm:prSet presAssocID="{9EA99446-D00D-4652-8C4A-5522FD5CBB1A}" presName="Name10" presStyleLbl="parChTrans1D2" presStyleIdx="0" presStyleCnt="1"/>
       <dgm:spPr/>
+      <dgm:t>
+        <a:bodyPr/>
+        <a:lstStyle/>
+        <a:p>
+          <a:endParaRPr lang="zh-CN" altLang="en-US"/>
+        </a:p>
+      </dgm:t>
     </dgm:pt>
     <dgm:pt modelId="{3AEEF238-2804-44E3-B4EC-7278C64D3C3A}" type="pres">
       <dgm:prSet presAssocID="{1C04BBF6-2C38-43EC-B1AB-EDA834307E56}" presName="hierRoot2" presStyleCnt="0"/>
@@ -10201,6 +10607,13 @@
     <dgm:pt modelId="{87F1F9B8-5C67-4590-BF1E-F5E5164FDD6E}" type="pres">
       <dgm:prSet presAssocID="{5B7DDD1E-9282-487A-A821-8A80BD71AD79}" presName="Name17" presStyleLbl="parChTrans1D3" presStyleIdx="0" presStyleCnt="1"/>
       <dgm:spPr/>
+      <dgm:t>
+        <a:bodyPr/>
+        <a:lstStyle/>
+        <a:p>
+          <a:endParaRPr lang="zh-CN" altLang="en-US"/>
+        </a:p>
+      </dgm:t>
     </dgm:pt>
     <dgm:pt modelId="{8AEEA652-38C4-4EC8-990A-DA734C1A9FAB}" type="pres">
       <dgm:prSet presAssocID="{6EAEBC8B-FA64-43F6-9F00-0B25C822C06A}" presName="hierRoot3" presStyleCnt="0"/>
@@ -10221,6 +10634,13 @@
         </dgm:presLayoutVars>
       </dgm:prSet>
       <dgm:spPr/>
+      <dgm:t>
+        <a:bodyPr/>
+        <a:lstStyle/>
+        <a:p>
+          <a:endParaRPr lang="zh-CN" altLang="en-US"/>
+        </a:p>
+      </dgm:t>
     </dgm:pt>
     <dgm:pt modelId="{45201581-FA11-4DCA-B1D2-D1B0B818912D}" type="pres">
       <dgm:prSet presAssocID="{6EAEBC8B-FA64-43F6-9F00-0B25C822C06A}" presName="hierChild4" presStyleCnt="0"/>
@@ -10228,15 +10648,15 @@
     </dgm:pt>
   </dgm:ptLst>
   <dgm:cxnLst>
-    <dgm:cxn modelId="{014AC4D1-D5C7-4FC7-96F3-B19DB33646A0}" srcId="{CD274CBB-FA33-46A6-80AD-B5485F44E25C}" destId="{67993BFB-949D-421A-AD3C-E8DEBADE957B}" srcOrd="0" destOrd="0" parTransId="{DBAC4F4C-BCBC-45BB-897D-01428AD396A7}" sibTransId="{9912F15E-8AE8-4630-90BB-F16983311DD2}"/>
+    <dgm:cxn modelId="{2192E4B6-17AE-44CA-BF71-CACFED2656E1}" type="presOf" srcId="{CD274CBB-FA33-46A6-80AD-B5485F44E25C}" destId="{729E9A7A-9D1C-4668-9695-D359FE75262E}" srcOrd="0" destOrd="0" presId="urn:microsoft.com/office/officeart/2005/8/layout/hierarchy1"/>
     <dgm:cxn modelId="{A139DC17-8B8E-485D-9F27-A43DF9CEB087}" type="presOf" srcId="{5B7DDD1E-9282-487A-A821-8A80BD71AD79}" destId="{87F1F9B8-5C67-4590-BF1E-F5E5164FDD6E}" srcOrd="0" destOrd="0" presId="urn:microsoft.com/office/officeart/2005/8/layout/hierarchy1"/>
     <dgm:cxn modelId="{C20D4E97-FBE1-4E7A-9CEE-B5A32F0749EF}" srcId="{67993BFB-949D-421A-AD3C-E8DEBADE957B}" destId="{1C04BBF6-2C38-43EC-B1AB-EDA834307E56}" srcOrd="0" destOrd="0" parTransId="{9EA99446-D00D-4652-8C4A-5522FD5CBB1A}" sibTransId="{0DE7988C-2D89-4FCC-994A-8D05BA1540F7}"/>
-    <dgm:cxn modelId="{B82B0483-E641-4656-B63B-687C27948A0F}" type="presOf" srcId="{67993BFB-949D-421A-AD3C-E8DEBADE957B}" destId="{EC02E215-7F58-41E8-8093-A27913D4138F}" srcOrd="0" destOrd="0" presId="urn:microsoft.com/office/officeart/2005/8/layout/hierarchy1"/>
-    <dgm:cxn modelId="{3273BFCB-A23F-488F-868B-9A85A07B7B7A}" srcId="{1C04BBF6-2C38-43EC-B1AB-EDA834307E56}" destId="{6EAEBC8B-FA64-43F6-9F00-0B25C822C06A}" srcOrd="0" destOrd="0" parTransId="{5B7DDD1E-9282-487A-A821-8A80BD71AD79}" sibTransId="{F93CDF0D-3BCB-4FAD-A09E-FC6ADAFE4087}"/>
     <dgm:cxn modelId="{F8EC67A3-9368-4B02-8ABC-85DB2FF64C61}" type="presOf" srcId="{6EAEBC8B-FA64-43F6-9F00-0B25C822C06A}" destId="{7E981BDC-8125-4121-A954-992D8C7F059C}" srcOrd="0" destOrd="0" presId="urn:microsoft.com/office/officeart/2005/8/layout/hierarchy1"/>
     <dgm:cxn modelId="{AC2E100C-9BE5-4365-9077-A20FC473B0E9}" type="presOf" srcId="{9EA99446-D00D-4652-8C4A-5522FD5CBB1A}" destId="{8430AC38-4950-4C54-A40F-3F4A6884291A}" srcOrd="0" destOrd="0" presId="urn:microsoft.com/office/officeart/2005/8/layout/hierarchy1"/>
+    <dgm:cxn modelId="{3273BFCB-A23F-488F-868B-9A85A07B7B7A}" srcId="{1C04BBF6-2C38-43EC-B1AB-EDA834307E56}" destId="{6EAEBC8B-FA64-43F6-9F00-0B25C822C06A}" srcOrd="0" destOrd="0" parTransId="{5B7DDD1E-9282-487A-A821-8A80BD71AD79}" sibTransId="{F93CDF0D-3BCB-4FAD-A09E-FC6ADAFE4087}"/>
     <dgm:cxn modelId="{617D1805-56B8-4E55-8D35-9C511C008D59}" type="presOf" srcId="{1C04BBF6-2C38-43EC-B1AB-EDA834307E56}" destId="{35A004C2-2AD4-4AC8-B6E4-C66422FFCA01}" srcOrd="0" destOrd="0" presId="urn:microsoft.com/office/officeart/2005/8/layout/hierarchy1"/>
-    <dgm:cxn modelId="{2192E4B6-17AE-44CA-BF71-CACFED2656E1}" type="presOf" srcId="{CD274CBB-FA33-46A6-80AD-B5485F44E25C}" destId="{729E9A7A-9D1C-4668-9695-D359FE75262E}" srcOrd="0" destOrd="0" presId="urn:microsoft.com/office/officeart/2005/8/layout/hierarchy1"/>
+    <dgm:cxn modelId="{014AC4D1-D5C7-4FC7-96F3-B19DB33646A0}" srcId="{CD274CBB-FA33-46A6-80AD-B5485F44E25C}" destId="{67993BFB-949D-421A-AD3C-E8DEBADE957B}" srcOrd="0" destOrd="0" parTransId="{DBAC4F4C-BCBC-45BB-897D-01428AD396A7}" sibTransId="{9912F15E-8AE8-4630-90BB-F16983311DD2}"/>
+    <dgm:cxn modelId="{B82B0483-E641-4656-B63B-687C27948A0F}" type="presOf" srcId="{67993BFB-949D-421A-AD3C-E8DEBADE957B}" destId="{EC02E215-7F58-41E8-8093-A27913D4138F}" srcOrd="0" destOrd="0" presId="urn:microsoft.com/office/officeart/2005/8/layout/hierarchy1"/>
     <dgm:cxn modelId="{857EA420-3588-478C-8321-2F81A3D26B12}" type="presParOf" srcId="{729E9A7A-9D1C-4668-9695-D359FE75262E}" destId="{4AEEE855-163D-4DEB-9685-48679B70932F}" srcOrd="0" destOrd="0" presId="urn:microsoft.com/office/officeart/2005/8/layout/hierarchy1"/>
     <dgm:cxn modelId="{88538F8A-5ACF-4922-99FB-EF99C83235A9}" type="presParOf" srcId="{4AEEE855-163D-4DEB-9685-48679B70932F}" destId="{50F797C0-AE03-437A-B4FE-BAE50C50A97F}" srcOrd="0" destOrd="0" presId="urn:microsoft.com/office/officeart/2005/8/layout/hierarchy1"/>
     <dgm:cxn modelId="{CED64865-46B1-4DED-AD64-16E1DC037558}" type="presParOf" srcId="{50F797C0-AE03-437A-B4FE-BAE50C50A97F}" destId="{C264CAC0-1FD5-43E2-B20D-A6C381636610}" srcOrd="0" destOrd="0" presId="urn:microsoft.com/office/officeart/2005/8/layout/hierarchy1"/>
@@ -34978,11 +35398,7 @@
           <a:p>
             <a:r>
               <a:rPr lang="zh-CN" altLang="en-US" dirty="0" smtClean="0"/>
-              <a:t>包</a:t>
-            </a:r>
-            <a:r>
-              <a:rPr lang="zh-CN" altLang="en-US" dirty="0" smtClean="0"/>
-              <a:t>含关系</a:t>
+              <a:t>包含关系</a:t>
             </a:r>
             <a:endParaRPr lang="zh-CN" altLang="en-US" dirty="0"/>
           </a:p>
@@ -35249,11 +35665,7 @@
           <a:p>
             <a:r>
               <a:rPr lang="zh-CN" altLang="en-US" dirty="0" smtClean="0"/>
-              <a:t>中间语</a:t>
-            </a:r>
-            <a:r>
-              <a:rPr lang="zh-CN" altLang="en-US" dirty="0" smtClean="0"/>
-              <a:t>言执行引擎</a:t>
+              <a:t>中间语言执行引擎</a:t>
             </a:r>
             <a:endParaRPr lang="zh-CN" altLang="en-US" dirty="0"/>
           </a:p>
@@ -35472,11 +35884,7 @@
             </a:r>
             <a:r>
               <a:rPr lang="zh-CN" altLang="en-US" dirty="0" smtClean="0"/>
-              <a:t>知</a:t>
-            </a:r>
-            <a:r>
-              <a:rPr lang="zh-CN" altLang="en-US" dirty="0" smtClean="0"/>
-              <a:t>道程序结尾</a:t>
+              <a:t>知道程序结尾</a:t>
             </a:r>
             <a:endParaRPr lang="zh-CN" altLang="en-US" dirty="0"/>
           </a:p>
@@ -35551,11 +35959,7 @@
           <a:p>
             <a:r>
               <a:rPr lang="zh-CN" altLang="en-US" dirty="0" smtClean="0"/>
-              <a:t>调</a:t>
-            </a:r>
-            <a:r>
-              <a:rPr lang="zh-CN" altLang="en-US" dirty="0" smtClean="0"/>
-              <a:t>用</a:t>
+              <a:t>调用</a:t>
             </a:r>
             <a:r>
               <a:rPr lang="en-US" altLang="zh-CN" dirty="0" smtClean="0"/>
@@ -35563,11 +35967,7 @@
             </a:r>
             <a:r>
               <a:rPr lang="zh-CN" altLang="en-US" dirty="0" smtClean="0"/>
-              <a:t>插</a:t>
-            </a:r>
-            <a:r>
-              <a:rPr lang="zh-CN" altLang="en-US" dirty="0" smtClean="0"/>
-              <a:t>件</a:t>
+              <a:t>插件</a:t>
             </a:r>
           </a:p>
           <a:p>
@@ -35603,11 +36003,7 @@
           <a:p>
             <a:r>
               <a:rPr lang="zh-CN" altLang="en-US" dirty="0" smtClean="0"/>
-              <a:t>调</a:t>
-            </a:r>
-            <a:r>
-              <a:rPr lang="zh-CN" altLang="en-US" dirty="0" smtClean="0"/>
-              <a:t>用</a:t>
+              <a:t>调用</a:t>
             </a:r>
             <a:r>
               <a:rPr lang="en-US" altLang="zh-CN" dirty="0" smtClean="0"/>
@@ -35615,11 +36011,7 @@
             </a:r>
             <a:r>
               <a:rPr lang="zh-CN" altLang="en-US" dirty="0" smtClean="0"/>
-              <a:t>插</a:t>
-            </a:r>
-            <a:r>
-              <a:rPr lang="zh-CN" altLang="en-US" dirty="0" smtClean="0"/>
-              <a:t>件</a:t>
+              <a:t>插件</a:t>
             </a:r>
           </a:p>
           <a:p>
@@ -35914,11 +36306,7 @@
           <a:p>
             <a:r>
               <a:rPr lang="zh-CN" altLang="en-US" dirty="0" smtClean="0"/>
-              <a:t>进</a:t>
-            </a:r>
-            <a:r>
-              <a:rPr lang="zh-CN" altLang="en-US" dirty="0" smtClean="0"/>
-              <a:t>行</a:t>
+              <a:t>进行</a:t>
             </a:r>
             <a:r>
               <a:rPr lang="en-US" altLang="zh-CN" dirty="0" smtClean="0"/>
@@ -35956,11 +36344,7 @@
           <a:p>
             <a:r>
               <a:rPr lang="zh-CN" altLang="en-US" dirty="0" smtClean="0"/>
-              <a:t>一</a:t>
-            </a:r>
-            <a:r>
-              <a:rPr lang="zh-CN" altLang="en-US" dirty="0" smtClean="0"/>
-              <a:t>个虚拟机，用来把指令与暂时指令化成约束）</a:t>
+              <a:t>一个虚拟机，用来把指令与暂时指令化成约束）</a:t>
             </a:r>
             <a:endParaRPr lang="zh-CN" altLang="en-US" dirty="0"/>
           </a:p>
@@ -35998,11 +36382,7 @@
             </a:r>
             <a:r>
               <a:rPr lang="zh-CN" altLang="en-US" dirty="0" smtClean="0"/>
-              <a:t>进</a:t>
-            </a:r>
-            <a:r>
-              <a:rPr lang="zh-CN" altLang="en-US" dirty="0" smtClean="0"/>
-              <a:t>行符号化</a:t>
+              <a:t>进行符号化</a:t>
             </a:r>
             <a:endParaRPr lang="zh-CN" altLang="en-US" dirty="0"/>
           </a:p>
@@ -36228,11 +36608,7 @@
           <a:p>
             <a:r>
               <a:rPr lang="zh-CN" altLang="en-US" dirty="0" smtClean="0"/>
-              <a:t>指</a:t>
-            </a:r>
-            <a:r>
-              <a:rPr lang="zh-CN" altLang="en-US" dirty="0" smtClean="0"/>
-              <a:t>定地址与避免地址</a:t>
+              <a:t>指定地址与避免地址</a:t>
             </a:r>
             <a:endParaRPr lang="zh-CN" altLang="en-US" dirty="0"/>
           </a:p>
@@ -36347,6 +36723,36 @@
             <a:r>
               <a:rPr lang="zh-CN" altLang="en-US" dirty="0" smtClean="0"/>
               <a:t>用）</a:t>
+            </a:r>
+            <a:endParaRPr lang="zh-CN" altLang="en-US" dirty="0"/>
+          </a:p>
+        </p:txBody>
+      </p:sp>
+      <p:sp>
+        <p:nvSpPr>
+          <p:cNvPr id="7" name="TextBox 6"/>
+          <p:cNvSpPr txBox="1"/>
+          <p:nvPr/>
+        </p:nvSpPr>
+        <p:spPr>
+          <a:xfrm>
+            <a:off x="2267744" y="4077072"/>
+            <a:ext cx="1152128" cy="646331"/>
+          </a:xfrm>
+          <a:prstGeom prst="rect">
+            <a:avLst/>
+          </a:prstGeom>
+          <a:noFill/>
+        </p:spPr>
+        <p:txBody>
+          <a:bodyPr wrap="square" rtlCol="0">
+            <a:spAutoFit/>
+          </a:bodyPr>
+          <a:lstStyle/>
+          <a:p>
+            <a:r>
+              <a:rPr lang="zh-CN" altLang="en-US" dirty="0" smtClean="0"/>
+              <a:t>跟踪路径状态</a:t>
             </a:r>
             <a:endParaRPr lang="zh-CN" altLang="en-US" dirty="0"/>
           </a:p>
